--- a/src/Java/Collections/Collections.pptx
+++ b/src/Java/Collections/Collections.pptx
@@ -15,8 +15,13 @@
     <p:sldId id="265" r:id="rId9"/>
     <p:sldId id="266" r:id="rId10"/>
     <p:sldId id="268" r:id="rId11"/>
-    <p:sldId id="257" r:id="rId12"/>
-    <p:sldId id="258" r:id="rId13"/>
+    <p:sldId id="269" r:id="rId12"/>
+    <p:sldId id="270" r:id="rId13"/>
+    <p:sldId id="271" r:id="rId14"/>
+    <p:sldId id="272" r:id="rId15"/>
+    <p:sldId id="273" r:id="rId16"/>
+    <p:sldId id="257" r:id="rId17"/>
+    <p:sldId id="258" r:id="rId18"/>
   </p:sldIdLst>
   <p:sldSz cx="12192000" cy="6858000"/>
   <p:notesSz cx="6858000" cy="9144000"/>
@@ -115,6 +120,11 @@
       </a:defRPr>
     </a:lvl9pPr>
   </p:defaultTextStyle>
+  <p:extLst>
+    <p:ext uri="{EFAFB233-063F-42B5-8137-9DF3F51BA10A}">
+      <p15:sldGuideLst xmlns:p15="http://schemas.microsoft.com/office/powerpoint/2012/main"/>
+    </p:ext>
+  </p:extLst>
 </p:presentation>
 </file>
 
@@ -267,7 +277,7 @@
           <a:p>
             <a:fld id="{4CF31E54-3059-4937-AB82-58F2F2A12F5E}" type="datetimeFigureOut">
               <a:rPr lang="en-IN" smtClean="0"/>
-              <a:t>02-02-2026</a:t>
+              <a:t>03-02-2026</a:t>
             </a:fld>
             <a:endParaRPr lang="en-IN"/>
           </a:p>
@@ -467,7 +477,7 @@
           <a:p>
             <a:fld id="{4CF31E54-3059-4937-AB82-58F2F2A12F5E}" type="datetimeFigureOut">
               <a:rPr lang="en-IN" smtClean="0"/>
-              <a:t>02-02-2026</a:t>
+              <a:t>03-02-2026</a:t>
             </a:fld>
             <a:endParaRPr lang="en-IN"/>
           </a:p>
@@ -677,7 +687,7 @@
           <a:p>
             <a:fld id="{4CF31E54-3059-4937-AB82-58F2F2A12F5E}" type="datetimeFigureOut">
               <a:rPr lang="en-IN" smtClean="0"/>
-              <a:t>02-02-2026</a:t>
+              <a:t>03-02-2026</a:t>
             </a:fld>
             <a:endParaRPr lang="en-IN"/>
           </a:p>
@@ -877,7 +887,7 @@
           <a:p>
             <a:fld id="{4CF31E54-3059-4937-AB82-58F2F2A12F5E}" type="datetimeFigureOut">
               <a:rPr lang="en-IN" smtClean="0"/>
-              <a:t>02-02-2026</a:t>
+              <a:t>03-02-2026</a:t>
             </a:fld>
             <a:endParaRPr lang="en-IN"/>
           </a:p>
@@ -1153,7 +1163,7 @@
           <a:p>
             <a:fld id="{4CF31E54-3059-4937-AB82-58F2F2A12F5E}" type="datetimeFigureOut">
               <a:rPr lang="en-IN" smtClean="0"/>
-              <a:t>02-02-2026</a:t>
+              <a:t>03-02-2026</a:t>
             </a:fld>
             <a:endParaRPr lang="en-IN"/>
           </a:p>
@@ -1421,7 +1431,7 @@
           <a:p>
             <a:fld id="{4CF31E54-3059-4937-AB82-58F2F2A12F5E}" type="datetimeFigureOut">
               <a:rPr lang="en-IN" smtClean="0"/>
-              <a:t>02-02-2026</a:t>
+              <a:t>03-02-2026</a:t>
             </a:fld>
             <a:endParaRPr lang="en-IN"/>
           </a:p>
@@ -1836,7 +1846,7 @@
           <a:p>
             <a:fld id="{4CF31E54-3059-4937-AB82-58F2F2A12F5E}" type="datetimeFigureOut">
               <a:rPr lang="en-IN" smtClean="0"/>
-              <a:t>02-02-2026</a:t>
+              <a:t>03-02-2026</a:t>
             </a:fld>
             <a:endParaRPr lang="en-IN"/>
           </a:p>
@@ -1978,7 +1988,7 @@
           <a:p>
             <a:fld id="{4CF31E54-3059-4937-AB82-58F2F2A12F5E}" type="datetimeFigureOut">
               <a:rPr lang="en-IN" smtClean="0"/>
-              <a:t>02-02-2026</a:t>
+              <a:t>03-02-2026</a:t>
             </a:fld>
             <a:endParaRPr lang="en-IN"/>
           </a:p>
@@ -2091,7 +2101,7 @@
           <a:p>
             <a:fld id="{4CF31E54-3059-4937-AB82-58F2F2A12F5E}" type="datetimeFigureOut">
               <a:rPr lang="en-IN" smtClean="0"/>
-              <a:t>02-02-2026</a:t>
+              <a:t>03-02-2026</a:t>
             </a:fld>
             <a:endParaRPr lang="en-IN"/>
           </a:p>
@@ -2404,7 +2414,7 @@
           <a:p>
             <a:fld id="{4CF31E54-3059-4937-AB82-58F2F2A12F5E}" type="datetimeFigureOut">
               <a:rPr lang="en-IN" smtClean="0"/>
-              <a:t>02-02-2026</a:t>
+              <a:t>03-02-2026</a:t>
             </a:fld>
             <a:endParaRPr lang="en-IN"/>
           </a:p>
@@ -2693,7 +2703,7 @@
           <a:p>
             <a:fld id="{4CF31E54-3059-4937-AB82-58F2F2A12F5E}" type="datetimeFigureOut">
               <a:rPr lang="en-IN" smtClean="0"/>
-              <a:t>02-02-2026</a:t>
+              <a:t>03-02-2026</a:t>
             </a:fld>
             <a:endParaRPr lang="en-IN"/>
           </a:p>
@@ -2936,7 +2946,7 @@
           <a:p>
             <a:fld id="{4CF31E54-3059-4937-AB82-58F2F2A12F5E}" type="datetimeFigureOut">
               <a:rPr lang="en-IN" smtClean="0"/>
-              <a:t>02-02-2026</a:t>
+              <a:t>03-02-2026</a:t>
             </a:fld>
             <a:endParaRPr lang="en-IN"/>
           </a:p>
@@ -4091,7 +4101,23 @@
             </a:pPr>
             <a:r>
               <a:rPr lang="en-US" sz="1800" dirty="0"/>
-              <a:t>This data structure is often used in scenarios where you need a queue or stack-like behavior, and it provides constant time (O(1)) performance for basic operations like adding and removing elements from both ends.</a:t>
+              <a:t>This data structure is often used in scenarios where you need a </a:t>
+            </a:r>
+            <a:r>
+              <a:rPr lang="en-US" sz="1800" b="1" dirty="0"/>
+              <a:t>queue</a:t>
+            </a:r>
+            <a:r>
+              <a:rPr lang="en-US" sz="1800" dirty="0"/>
+              <a:t> or </a:t>
+            </a:r>
+            <a:r>
+              <a:rPr lang="en-US" sz="1800" b="1" dirty="0"/>
+              <a:t>stack </a:t>
+            </a:r>
+            <a:r>
+              <a:rPr lang="en-US" sz="1800" dirty="0"/>
+              <a:t>like behavior, and it provides constant time (O(1)) performance for basic operations like adding and removing elements from both ends.</a:t>
             </a:r>
             <a:endParaRPr lang="en-US" sz="1800" b="1" dirty="0"/>
           </a:p>
@@ -4137,6 +4163,3572 @@
       </p:grpSpPr>
       <p:sp>
         <p:nvSpPr>
+          <p:cNvPr id="2" name="Title 1">
+            <a:extLst>
+              <a:ext uri="{FF2B5EF4-FFF2-40B4-BE49-F238E27FC236}">
+                <a16:creationId xmlns:a16="http://schemas.microsoft.com/office/drawing/2014/main" id="{365CBC9A-1B02-FE65-DCB3-3B8887ECD359}"/>
+              </a:ext>
+            </a:extLst>
+          </p:cNvPr>
+          <p:cNvSpPr txBox="1">
+            <a:spLocks/>
+          </p:cNvSpPr>
+          <p:nvPr/>
+        </p:nvSpPr>
+        <p:spPr>
+          <a:xfrm>
+            <a:off x="838200" y="65781"/>
+            <a:ext cx="10515600" cy="658129"/>
+          </a:xfrm>
+          <a:prstGeom prst="rect">
+            <a:avLst/>
+          </a:prstGeom>
+        </p:spPr>
+        <p:txBody>
+          <a:bodyPr vert="horz" lIns="91440" tIns="45720" rIns="91440" bIns="45720" rtlCol="0" anchor="b">
+            <a:normAutofit fontScale="75000" lnSpcReduction="20000"/>
+          </a:bodyPr>
+          <a:lstStyle>
+            <a:lvl1pPr algn="ctr" defTabSz="914400" rtl="0" eaLnBrk="1" latinLnBrk="0" hangingPunct="1">
+              <a:lnSpc>
+                <a:spcPct val="90000"/>
+              </a:lnSpc>
+              <a:spcBef>
+                <a:spcPct val="0"/>
+              </a:spcBef>
+              <a:buNone/>
+              <a:defRPr sz="6000" kern="1200">
+                <a:solidFill>
+                  <a:schemeClr val="tx1"/>
+                </a:solidFill>
+                <a:latin typeface="+mj-lt"/>
+                <a:ea typeface="+mj-ea"/>
+                <a:cs typeface="+mj-cs"/>
+              </a:defRPr>
+            </a:lvl1pPr>
+          </a:lstStyle>
+          <a:p>
+            <a:r>
+              <a:rPr lang="en-US" b="1" u="sng" dirty="0"/>
+              <a:t>Set&lt;E&gt;</a:t>
+            </a:r>
+          </a:p>
+        </p:txBody>
+      </p:sp>
+      <p:sp>
+        <p:nvSpPr>
+          <p:cNvPr id="3" name="Content Placeholder 2">
+            <a:extLst>
+              <a:ext uri="{FF2B5EF4-FFF2-40B4-BE49-F238E27FC236}">
+                <a16:creationId xmlns:a16="http://schemas.microsoft.com/office/drawing/2014/main" id="{DC8A739D-1249-89C3-C780-FE79460AC66A}"/>
+              </a:ext>
+            </a:extLst>
+          </p:cNvPr>
+          <p:cNvSpPr txBox="1">
+            <a:spLocks/>
+          </p:cNvSpPr>
+          <p:nvPr/>
+        </p:nvSpPr>
+        <p:spPr>
+          <a:xfrm>
+            <a:off x="54427" y="723910"/>
+            <a:ext cx="12053109" cy="3183889"/>
+          </a:xfrm>
+          <a:prstGeom prst="rect">
+            <a:avLst/>
+          </a:prstGeom>
+        </p:spPr>
+        <p:txBody>
+          <a:bodyPr vert="horz" lIns="91440" tIns="45720" rIns="91440" bIns="45720" rtlCol="0">
+            <a:normAutofit lnSpcReduction="10000"/>
+          </a:bodyPr>
+          <a:lstStyle>
+            <a:lvl1pPr marL="0" indent="0" algn="ctr" defTabSz="914400" rtl="0" eaLnBrk="1" latinLnBrk="0" hangingPunct="1">
+              <a:lnSpc>
+                <a:spcPct val="90000"/>
+              </a:lnSpc>
+              <a:spcBef>
+                <a:spcPts val="1000"/>
+              </a:spcBef>
+              <a:buFont typeface="Arial" panose="020B0604020202020204" pitchFamily="34" charset="0"/>
+              <a:buNone/>
+              <a:defRPr sz="2400" kern="1200">
+                <a:solidFill>
+                  <a:schemeClr val="tx1"/>
+                </a:solidFill>
+                <a:latin typeface="+mn-lt"/>
+                <a:ea typeface="+mn-ea"/>
+                <a:cs typeface="+mn-cs"/>
+              </a:defRPr>
+            </a:lvl1pPr>
+            <a:lvl2pPr marL="457200" indent="0" algn="ctr" defTabSz="914400" rtl="0" eaLnBrk="1" latinLnBrk="0" hangingPunct="1">
+              <a:lnSpc>
+                <a:spcPct val="90000"/>
+              </a:lnSpc>
+              <a:spcBef>
+                <a:spcPts val="500"/>
+              </a:spcBef>
+              <a:buFont typeface="Arial" panose="020B0604020202020204" pitchFamily="34" charset="0"/>
+              <a:buNone/>
+              <a:defRPr sz="2000" kern="1200">
+                <a:solidFill>
+                  <a:schemeClr val="tx1"/>
+                </a:solidFill>
+                <a:latin typeface="+mn-lt"/>
+                <a:ea typeface="+mn-ea"/>
+                <a:cs typeface="+mn-cs"/>
+              </a:defRPr>
+            </a:lvl2pPr>
+            <a:lvl3pPr marL="914400" indent="0" algn="ctr" defTabSz="914400" rtl="0" eaLnBrk="1" latinLnBrk="0" hangingPunct="1">
+              <a:lnSpc>
+                <a:spcPct val="90000"/>
+              </a:lnSpc>
+              <a:spcBef>
+                <a:spcPts val="500"/>
+              </a:spcBef>
+              <a:buFont typeface="Arial" panose="020B0604020202020204" pitchFamily="34" charset="0"/>
+              <a:buNone/>
+              <a:defRPr sz="1800" kern="1200">
+                <a:solidFill>
+                  <a:schemeClr val="tx1"/>
+                </a:solidFill>
+                <a:latin typeface="+mn-lt"/>
+                <a:ea typeface="+mn-ea"/>
+                <a:cs typeface="+mn-cs"/>
+              </a:defRPr>
+            </a:lvl3pPr>
+            <a:lvl4pPr marL="1371600" indent="0" algn="ctr" defTabSz="914400" rtl="0" eaLnBrk="1" latinLnBrk="0" hangingPunct="1">
+              <a:lnSpc>
+                <a:spcPct val="90000"/>
+              </a:lnSpc>
+              <a:spcBef>
+                <a:spcPts val="500"/>
+              </a:spcBef>
+              <a:buFont typeface="Arial" panose="020B0604020202020204" pitchFamily="34" charset="0"/>
+              <a:buNone/>
+              <a:defRPr sz="1600" kern="1200">
+                <a:solidFill>
+                  <a:schemeClr val="tx1"/>
+                </a:solidFill>
+                <a:latin typeface="+mn-lt"/>
+                <a:ea typeface="+mn-ea"/>
+                <a:cs typeface="+mn-cs"/>
+              </a:defRPr>
+            </a:lvl4pPr>
+            <a:lvl5pPr marL="1828800" indent="0" algn="ctr" defTabSz="914400" rtl="0" eaLnBrk="1" latinLnBrk="0" hangingPunct="1">
+              <a:lnSpc>
+                <a:spcPct val="90000"/>
+              </a:lnSpc>
+              <a:spcBef>
+                <a:spcPts val="500"/>
+              </a:spcBef>
+              <a:buFont typeface="Arial" panose="020B0604020202020204" pitchFamily="34" charset="0"/>
+              <a:buNone/>
+              <a:defRPr sz="1600" kern="1200">
+                <a:solidFill>
+                  <a:schemeClr val="tx1"/>
+                </a:solidFill>
+                <a:latin typeface="+mn-lt"/>
+                <a:ea typeface="+mn-ea"/>
+                <a:cs typeface="+mn-cs"/>
+              </a:defRPr>
+            </a:lvl5pPr>
+            <a:lvl6pPr marL="2286000" indent="0" algn="ctr" defTabSz="914400" rtl="0" eaLnBrk="1" latinLnBrk="0" hangingPunct="1">
+              <a:lnSpc>
+                <a:spcPct val="90000"/>
+              </a:lnSpc>
+              <a:spcBef>
+                <a:spcPts val="500"/>
+              </a:spcBef>
+              <a:buFont typeface="Arial" panose="020B0604020202020204" pitchFamily="34" charset="0"/>
+              <a:buNone/>
+              <a:defRPr sz="1600" kern="1200">
+                <a:solidFill>
+                  <a:schemeClr val="tx1"/>
+                </a:solidFill>
+                <a:latin typeface="+mn-lt"/>
+                <a:ea typeface="+mn-ea"/>
+                <a:cs typeface="+mn-cs"/>
+              </a:defRPr>
+            </a:lvl6pPr>
+            <a:lvl7pPr marL="2743200" indent="0" algn="ctr" defTabSz="914400" rtl="0" eaLnBrk="1" latinLnBrk="0" hangingPunct="1">
+              <a:lnSpc>
+                <a:spcPct val="90000"/>
+              </a:lnSpc>
+              <a:spcBef>
+                <a:spcPts val="500"/>
+              </a:spcBef>
+              <a:buFont typeface="Arial" panose="020B0604020202020204" pitchFamily="34" charset="0"/>
+              <a:buNone/>
+              <a:defRPr sz="1600" kern="1200">
+                <a:solidFill>
+                  <a:schemeClr val="tx1"/>
+                </a:solidFill>
+                <a:latin typeface="+mn-lt"/>
+                <a:ea typeface="+mn-ea"/>
+                <a:cs typeface="+mn-cs"/>
+              </a:defRPr>
+            </a:lvl7pPr>
+            <a:lvl8pPr marL="3200400" indent="0" algn="ctr" defTabSz="914400" rtl="0" eaLnBrk="1" latinLnBrk="0" hangingPunct="1">
+              <a:lnSpc>
+                <a:spcPct val="90000"/>
+              </a:lnSpc>
+              <a:spcBef>
+                <a:spcPts val="500"/>
+              </a:spcBef>
+              <a:buFont typeface="Arial" panose="020B0604020202020204" pitchFamily="34" charset="0"/>
+              <a:buNone/>
+              <a:defRPr sz="1600" kern="1200">
+                <a:solidFill>
+                  <a:schemeClr val="tx1"/>
+                </a:solidFill>
+                <a:latin typeface="+mn-lt"/>
+                <a:ea typeface="+mn-ea"/>
+                <a:cs typeface="+mn-cs"/>
+              </a:defRPr>
+            </a:lvl8pPr>
+            <a:lvl9pPr marL="3657600" indent="0" algn="ctr" defTabSz="914400" rtl="0" eaLnBrk="1" latinLnBrk="0" hangingPunct="1">
+              <a:lnSpc>
+                <a:spcPct val="90000"/>
+              </a:lnSpc>
+              <a:spcBef>
+                <a:spcPts val="500"/>
+              </a:spcBef>
+              <a:buFont typeface="Arial" panose="020B0604020202020204" pitchFamily="34" charset="0"/>
+              <a:buNone/>
+              <a:defRPr sz="1600" kern="1200">
+                <a:solidFill>
+                  <a:schemeClr val="tx1"/>
+                </a:solidFill>
+                <a:latin typeface="+mn-lt"/>
+                <a:ea typeface="+mn-ea"/>
+                <a:cs typeface="+mn-cs"/>
+              </a:defRPr>
+            </a:lvl9pPr>
+          </a:lstStyle>
+          <a:p>
+            <a:pPr marL="285750" indent="-285750" algn="l">
+              <a:buFont typeface="Wingdings" panose="05000000000000000000" pitchFamily="2" charset="2"/>
+              <a:buChar char="ü"/>
+            </a:pPr>
+            <a:r>
+              <a:rPr lang="en-US" sz="1800" dirty="0"/>
+              <a:t>Sets are collections that maintain unordered collection of unique elements. Unlike lists, sets do not allow duplicate values, making them ideal for scenarios where you need to ensure distinct elements.</a:t>
+            </a:r>
+          </a:p>
+          <a:p>
+            <a:pPr marL="285750" indent="-285750" algn="l">
+              <a:buFont typeface="Wingdings" panose="05000000000000000000" pitchFamily="2" charset="2"/>
+              <a:buChar char="ü"/>
+            </a:pPr>
+            <a:endParaRPr lang="en-US" sz="1800" dirty="0"/>
+          </a:p>
+          <a:p>
+            <a:pPr marL="285750" indent="-285750" algn="l">
+              <a:buFont typeface="Wingdings" panose="05000000000000000000" pitchFamily="2" charset="2"/>
+              <a:buChar char="v"/>
+            </a:pPr>
+            <a:r>
+              <a:rPr lang="en-US" sz="1800" b="1" dirty="0"/>
+              <a:t>Implementations of the Set&lt;E&gt;:</a:t>
+            </a:r>
+          </a:p>
+          <a:p>
+            <a:pPr algn="l"/>
+            <a:r>
+              <a:rPr lang="en-US" sz="1800" b="1" dirty="0"/>
+              <a:t>	</a:t>
+            </a:r>
+            <a:r>
+              <a:rPr lang="en-US" sz="1800" dirty="0"/>
+              <a:t>1. HashSet&lt;E&gt;</a:t>
+            </a:r>
+          </a:p>
+          <a:p>
+            <a:pPr algn="l"/>
+            <a:r>
+              <a:rPr lang="en-US" sz="1800" dirty="0"/>
+              <a:t>	2. LinkedHashSet&lt;E&gt;</a:t>
+            </a:r>
+          </a:p>
+          <a:p>
+            <a:pPr marL="342900" indent="-342900" algn="l">
+              <a:buFont typeface="Wingdings" panose="05000000000000000000" pitchFamily="2" charset="2"/>
+              <a:buChar char="v"/>
+            </a:pPr>
+            <a:r>
+              <a:rPr lang="en-US" sz="1800" b="1" dirty="0"/>
+              <a:t>NavigableSet&lt;E&gt; extends SortedSet&lt;E&gt; extends Set&lt;E&gt;:</a:t>
+            </a:r>
+          </a:p>
+          <a:p>
+            <a:pPr algn="l"/>
+            <a:r>
+              <a:rPr lang="en-US" sz="1800" b="1" dirty="0"/>
+              <a:t>	</a:t>
+            </a:r>
+            <a:r>
+              <a:rPr lang="en-US" sz="1800" dirty="0"/>
+              <a:t>3. TreeSet&lt;E&gt;</a:t>
+            </a:r>
+            <a:endParaRPr lang="en-US" sz="1800" b="1" dirty="0"/>
+          </a:p>
+          <a:p>
+            <a:pPr algn="l"/>
+            <a:r>
+              <a:rPr lang="en-US" sz="1900" dirty="0"/>
+              <a:t>	</a:t>
+            </a:r>
+          </a:p>
+          <a:p>
+            <a:pPr marL="285750" indent="-285750" algn="l">
+              <a:buFont typeface="Wingdings" panose="05000000000000000000" pitchFamily="2" charset="2"/>
+              <a:buChar char="ü"/>
+            </a:pPr>
+            <a:endParaRPr lang="en-US" sz="1800" dirty="0"/>
+          </a:p>
+        </p:txBody>
+      </p:sp>
+      <p:sp>
+        <p:nvSpPr>
+          <p:cNvPr id="30" name="Oval 29">
+            <a:extLst>
+              <a:ext uri="{FF2B5EF4-FFF2-40B4-BE49-F238E27FC236}">
+                <a16:creationId xmlns:a16="http://schemas.microsoft.com/office/drawing/2014/main" id="{CBD83CD6-B5AC-3248-043E-957DE11B74E1}"/>
+              </a:ext>
+            </a:extLst>
+          </p:cNvPr>
+          <p:cNvSpPr/>
+          <p:nvPr/>
+        </p:nvSpPr>
+        <p:spPr>
+          <a:xfrm>
+            <a:off x="7974494" y="3988900"/>
+            <a:ext cx="2660371" cy="576471"/>
+          </a:xfrm>
+          <a:prstGeom prst="ellipse">
+            <a:avLst/>
+          </a:prstGeom>
+        </p:spPr>
+        <p:style>
+          <a:lnRef idx="1">
+            <a:schemeClr val="accent1"/>
+          </a:lnRef>
+          <a:fillRef idx="2">
+            <a:schemeClr val="accent1"/>
+          </a:fillRef>
+          <a:effectRef idx="1">
+            <a:schemeClr val="accent1"/>
+          </a:effectRef>
+          <a:fontRef idx="minor">
+            <a:schemeClr val="dk1"/>
+          </a:fontRef>
+        </p:style>
+        <p:txBody>
+          <a:bodyPr rtlCol="0" anchor="ctr"/>
+          <a:lstStyle/>
+          <a:p>
+            <a:pPr algn="ctr"/>
+            <a:r>
+              <a:rPr lang="en-US" sz="2400" dirty="0">
+                <a:ln w="0"/>
+                <a:solidFill>
+                  <a:schemeClr val="tx1"/>
+                </a:solidFill>
+                <a:effectLst>
+                  <a:outerShdw blurRad="38100" dist="19050" dir="2700000" algn="tl" rotWithShape="0">
+                    <a:schemeClr val="dk1">
+                      <a:alpha val="40000"/>
+                    </a:schemeClr>
+                  </a:outerShdw>
+                </a:effectLst>
+              </a:rPr>
+              <a:t>SortedSet&lt;E&gt;</a:t>
+            </a:r>
+            <a:endParaRPr lang="en-IN" sz="2400" dirty="0"/>
+          </a:p>
+        </p:txBody>
+      </p:sp>
+      <p:sp>
+        <p:nvSpPr>
+          <p:cNvPr id="31" name="Oval 30">
+            <a:extLst>
+              <a:ext uri="{FF2B5EF4-FFF2-40B4-BE49-F238E27FC236}">
+                <a16:creationId xmlns:a16="http://schemas.microsoft.com/office/drawing/2014/main" id="{BEB566D7-92FE-0AF3-0AE2-B732F27B39D0}"/>
+              </a:ext>
+            </a:extLst>
+          </p:cNvPr>
+          <p:cNvSpPr/>
+          <p:nvPr/>
+        </p:nvSpPr>
+        <p:spPr>
+          <a:xfrm>
+            <a:off x="3011553" y="3988899"/>
+            <a:ext cx="2236304" cy="576471"/>
+          </a:xfrm>
+          <a:prstGeom prst="ellipse">
+            <a:avLst/>
+          </a:prstGeom>
+        </p:spPr>
+        <p:style>
+          <a:lnRef idx="1">
+            <a:schemeClr val="accent1"/>
+          </a:lnRef>
+          <a:fillRef idx="2">
+            <a:schemeClr val="accent1"/>
+          </a:fillRef>
+          <a:effectRef idx="1">
+            <a:schemeClr val="accent1"/>
+          </a:effectRef>
+          <a:fontRef idx="minor">
+            <a:schemeClr val="dk1"/>
+          </a:fontRef>
+        </p:style>
+        <p:txBody>
+          <a:bodyPr rtlCol="0" anchor="ctr"/>
+          <a:lstStyle/>
+          <a:p>
+            <a:pPr algn="ctr"/>
+            <a:r>
+              <a:rPr lang="en-US" sz="2400" dirty="0">
+                <a:ln w="0"/>
+                <a:solidFill>
+                  <a:schemeClr val="tx1"/>
+                </a:solidFill>
+                <a:effectLst>
+                  <a:outerShdw blurRad="38100" dist="19050" dir="2700000" algn="tl" rotWithShape="0">
+                    <a:schemeClr val="dk1">
+                      <a:alpha val="40000"/>
+                    </a:schemeClr>
+                  </a:outerShdw>
+                </a:effectLst>
+              </a:rPr>
+              <a:t>Set&lt;E&gt;</a:t>
+            </a:r>
+            <a:endParaRPr lang="en-IN" sz="2400" dirty="0"/>
+          </a:p>
+        </p:txBody>
+      </p:sp>
+      <p:sp>
+        <p:nvSpPr>
+          <p:cNvPr id="32" name="Rectangle: Rounded Corners 31">
+            <a:extLst>
+              <a:ext uri="{FF2B5EF4-FFF2-40B4-BE49-F238E27FC236}">
+                <a16:creationId xmlns:a16="http://schemas.microsoft.com/office/drawing/2014/main" id="{16047564-BB2C-B8D3-7C0C-C66623015D8D}"/>
+              </a:ext>
+            </a:extLst>
+          </p:cNvPr>
+          <p:cNvSpPr/>
+          <p:nvPr/>
+        </p:nvSpPr>
+        <p:spPr>
+          <a:xfrm>
+            <a:off x="1605166" y="5804453"/>
+            <a:ext cx="2037522" cy="487017"/>
+          </a:xfrm>
+          <a:prstGeom prst="roundRect">
+            <a:avLst/>
+          </a:prstGeom>
+        </p:spPr>
+        <p:style>
+          <a:lnRef idx="1">
+            <a:schemeClr val="accent6"/>
+          </a:lnRef>
+          <a:fillRef idx="3">
+            <a:schemeClr val="accent6"/>
+          </a:fillRef>
+          <a:effectRef idx="2">
+            <a:schemeClr val="accent6"/>
+          </a:effectRef>
+          <a:fontRef idx="minor">
+            <a:schemeClr val="lt1"/>
+          </a:fontRef>
+        </p:style>
+        <p:txBody>
+          <a:bodyPr rtlCol="0" anchor="ctr"/>
+          <a:lstStyle/>
+          <a:p>
+            <a:pPr algn="ctr"/>
+            <a:r>
+              <a:rPr lang="en-US" sz="2400" dirty="0">
+                <a:ln w="0"/>
+                <a:solidFill>
+                  <a:schemeClr val="tx1"/>
+                </a:solidFill>
+                <a:effectLst>
+                  <a:outerShdw blurRad="38100" dist="19050" dir="2700000" algn="tl" rotWithShape="0">
+                    <a:schemeClr val="dk1">
+                      <a:alpha val="40000"/>
+                    </a:schemeClr>
+                  </a:outerShdw>
+                </a:effectLst>
+              </a:rPr>
+              <a:t>HashSet&lt;E&gt;</a:t>
+            </a:r>
+            <a:endParaRPr lang="en-IN" sz="2400" dirty="0"/>
+          </a:p>
+        </p:txBody>
+      </p:sp>
+      <p:sp>
+        <p:nvSpPr>
+          <p:cNvPr id="33" name="Rectangle: Rounded Corners 32">
+            <a:extLst>
+              <a:ext uri="{FF2B5EF4-FFF2-40B4-BE49-F238E27FC236}">
+                <a16:creationId xmlns:a16="http://schemas.microsoft.com/office/drawing/2014/main" id="{530DD54B-6FDB-BEBE-9FF5-8C67344751F0}"/>
+              </a:ext>
+            </a:extLst>
+          </p:cNvPr>
+          <p:cNvSpPr/>
+          <p:nvPr/>
+        </p:nvSpPr>
+        <p:spPr>
+          <a:xfrm>
+            <a:off x="4492493" y="5804451"/>
+            <a:ext cx="2559320" cy="487017"/>
+          </a:xfrm>
+          <a:prstGeom prst="roundRect">
+            <a:avLst/>
+          </a:prstGeom>
+        </p:spPr>
+        <p:style>
+          <a:lnRef idx="1">
+            <a:schemeClr val="accent6"/>
+          </a:lnRef>
+          <a:fillRef idx="3">
+            <a:schemeClr val="accent6"/>
+          </a:fillRef>
+          <a:effectRef idx="2">
+            <a:schemeClr val="accent6"/>
+          </a:effectRef>
+          <a:fontRef idx="minor">
+            <a:schemeClr val="lt1"/>
+          </a:fontRef>
+        </p:style>
+        <p:txBody>
+          <a:bodyPr rtlCol="0" anchor="ctr"/>
+          <a:lstStyle/>
+          <a:p>
+            <a:pPr algn="ctr"/>
+            <a:r>
+              <a:rPr lang="en-US" sz="2400" dirty="0">
+                <a:ln w="0"/>
+                <a:solidFill>
+                  <a:schemeClr val="tx1"/>
+                </a:solidFill>
+                <a:effectLst>
+                  <a:outerShdw blurRad="38100" dist="19050" dir="2700000" algn="tl" rotWithShape="0">
+                    <a:schemeClr val="dk1">
+                      <a:alpha val="40000"/>
+                    </a:schemeClr>
+                  </a:outerShdw>
+                </a:effectLst>
+              </a:rPr>
+              <a:t>LinkedHashSet&lt;E&gt;</a:t>
+            </a:r>
+            <a:endParaRPr lang="en-IN" sz="2400" dirty="0"/>
+          </a:p>
+        </p:txBody>
+      </p:sp>
+      <p:sp>
+        <p:nvSpPr>
+          <p:cNvPr id="34" name="Rectangle: Rounded Corners 33">
+            <a:extLst>
+              <a:ext uri="{FF2B5EF4-FFF2-40B4-BE49-F238E27FC236}">
+                <a16:creationId xmlns:a16="http://schemas.microsoft.com/office/drawing/2014/main" id="{10F243E3-ABF1-DA6D-4AF4-93573D8CC95F}"/>
+              </a:ext>
+            </a:extLst>
+          </p:cNvPr>
+          <p:cNvSpPr/>
+          <p:nvPr/>
+        </p:nvSpPr>
+        <p:spPr>
+          <a:xfrm>
+            <a:off x="8070573" y="5804451"/>
+            <a:ext cx="2468214" cy="487017"/>
+          </a:xfrm>
+          <a:prstGeom prst="roundRect">
+            <a:avLst/>
+          </a:prstGeom>
+        </p:spPr>
+        <p:style>
+          <a:lnRef idx="1">
+            <a:schemeClr val="accent6"/>
+          </a:lnRef>
+          <a:fillRef idx="3">
+            <a:schemeClr val="accent6"/>
+          </a:fillRef>
+          <a:effectRef idx="2">
+            <a:schemeClr val="accent6"/>
+          </a:effectRef>
+          <a:fontRef idx="minor">
+            <a:schemeClr val="lt1"/>
+          </a:fontRef>
+        </p:style>
+        <p:txBody>
+          <a:bodyPr rtlCol="0" anchor="ctr"/>
+          <a:lstStyle/>
+          <a:p>
+            <a:pPr algn="ctr"/>
+            <a:r>
+              <a:rPr lang="en-US" sz="2400" dirty="0">
+                <a:ln w="0"/>
+                <a:solidFill>
+                  <a:schemeClr val="tx1"/>
+                </a:solidFill>
+                <a:effectLst>
+                  <a:outerShdw blurRad="38100" dist="19050" dir="2700000" algn="tl" rotWithShape="0">
+                    <a:schemeClr val="dk1">
+                      <a:alpha val="40000"/>
+                    </a:schemeClr>
+                  </a:outerShdw>
+                </a:effectLst>
+              </a:rPr>
+              <a:t>TreeSet&lt;E&gt;</a:t>
+            </a:r>
+            <a:endParaRPr lang="en-IN" sz="2400" dirty="0"/>
+          </a:p>
+        </p:txBody>
+      </p:sp>
+      <p:cxnSp>
+        <p:nvCxnSpPr>
+          <p:cNvPr id="35" name="Straight Arrow Connector 34">
+            <a:extLst>
+              <a:ext uri="{FF2B5EF4-FFF2-40B4-BE49-F238E27FC236}">
+                <a16:creationId xmlns:a16="http://schemas.microsoft.com/office/drawing/2014/main" id="{736BBF82-CC96-47A4-548D-E86E3FE326E1}"/>
+              </a:ext>
+            </a:extLst>
+          </p:cNvPr>
+          <p:cNvCxnSpPr>
+            <a:cxnSpLocks/>
+            <a:stCxn id="34" idx="0"/>
+            <a:endCxn id="55" idx="4"/>
+          </p:cNvCxnSpPr>
+          <p:nvPr/>
+        </p:nvCxnSpPr>
+        <p:spPr>
+          <a:xfrm flipV="1">
+            <a:off x="9304680" y="5473146"/>
+            <a:ext cx="0" cy="331305"/>
+          </a:xfrm>
+          <a:prstGeom prst="straightConnector1">
+            <a:avLst/>
+          </a:prstGeom>
+          <a:ln w="38100">
+            <a:prstDash val="sysDot"/>
+            <a:tailEnd type="triangle"/>
+          </a:ln>
+        </p:spPr>
+        <p:style>
+          <a:lnRef idx="3">
+            <a:schemeClr val="dk1"/>
+          </a:lnRef>
+          <a:fillRef idx="0">
+            <a:schemeClr val="dk1"/>
+          </a:fillRef>
+          <a:effectRef idx="2">
+            <a:schemeClr val="dk1"/>
+          </a:effectRef>
+          <a:fontRef idx="minor">
+            <a:schemeClr val="tx1"/>
+          </a:fontRef>
+        </p:style>
+      </p:cxnSp>
+      <p:cxnSp>
+        <p:nvCxnSpPr>
+          <p:cNvPr id="36" name="Straight Arrow Connector 35">
+            <a:extLst>
+              <a:ext uri="{FF2B5EF4-FFF2-40B4-BE49-F238E27FC236}">
+                <a16:creationId xmlns:a16="http://schemas.microsoft.com/office/drawing/2014/main" id="{47CBB364-4197-5B49-9761-BBF415ADEA01}"/>
+              </a:ext>
+            </a:extLst>
+          </p:cNvPr>
+          <p:cNvCxnSpPr>
+            <a:cxnSpLocks/>
+            <a:endCxn id="31" idx="4"/>
+          </p:cNvCxnSpPr>
+          <p:nvPr/>
+        </p:nvCxnSpPr>
+        <p:spPr>
+          <a:xfrm flipV="1">
+            <a:off x="4129705" y="4565370"/>
+            <a:ext cx="0" cy="619541"/>
+          </a:xfrm>
+          <a:prstGeom prst="straightConnector1">
+            <a:avLst/>
+          </a:prstGeom>
+          <a:ln w="38100">
+            <a:prstDash val="sysDot"/>
+            <a:tailEnd type="triangle"/>
+          </a:ln>
+        </p:spPr>
+        <p:style>
+          <a:lnRef idx="3">
+            <a:schemeClr val="dk1"/>
+          </a:lnRef>
+          <a:fillRef idx="0">
+            <a:schemeClr val="dk1"/>
+          </a:fillRef>
+          <a:effectRef idx="2">
+            <a:schemeClr val="dk1"/>
+          </a:effectRef>
+          <a:fontRef idx="minor">
+            <a:schemeClr val="tx1"/>
+          </a:fontRef>
+        </p:style>
+      </p:cxnSp>
+      <p:cxnSp>
+        <p:nvCxnSpPr>
+          <p:cNvPr id="37" name="Straight Connector 36">
+            <a:extLst>
+              <a:ext uri="{FF2B5EF4-FFF2-40B4-BE49-F238E27FC236}">
+                <a16:creationId xmlns:a16="http://schemas.microsoft.com/office/drawing/2014/main" id="{F95B2E56-DAB5-237E-E2D4-8FC26BAB0CAB}"/>
+              </a:ext>
+            </a:extLst>
+          </p:cNvPr>
+          <p:cNvCxnSpPr>
+            <a:cxnSpLocks/>
+          </p:cNvCxnSpPr>
+          <p:nvPr/>
+        </p:nvCxnSpPr>
+        <p:spPr>
+          <a:xfrm>
+            <a:off x="2623927" y="5184911"/>
+            <a:ext cx="3140764" cy="0"/>
+          </a:xfrm>
+          <a:prstGeom prst="line">
+            <a:avLst/>
+          </a:prstGeom>
+          <a:ln w="38100">
+            <a:prstDash val="sysDot"/>
+          </a:ln>
+        </p:spPr>
+        <p:style>
+          <a:lnRef idx="3">
+            <a:schemeClr val="dk1"/>
+          </a:lnRef>
+          <a:fillRef idx="0">
+            <a:schemeClr val="dk1"/>
+          </a:fillRef>
+          <a:effectRef idx="2">
+            <a:schemeClr val="dk1"/>
+          </a:effectRef>
+          <a:fontRef idx="minor">
+            <a:schemeClr val="tx1"/>
+          </a:fontRef>
+        </p:style>
+      </p:cxnSp>
+      <p:cxnSp>
+        <p:nvCxnSpPr>
+          <p:cNvPr id="38" name="Straight Connector 37">
+            <a:extLst>
+              <a:ext uri="{FF2B5EF4-FFF2-40B4-BE49-F238E27FC236}">
+                <a16:creationId xmlns:a16="http://schemas.microsoft.com/office/drawing/2014/main" id="{4148397D-AA8B-4C54-B94C-EE1C7737BB96}"/>
+              </a:ext>
+            </a:extLst>
+          </p:cNvPr>
+          <p:cNvCxnSpPr>
+            <a:cxnSpLocks/>
+            <a:endCxn id="33" idx="0"/>
+          </p:cNvCxnSpPr>
+          <p:nvPr/>
+        </p:nvCxnSpPr>
+        <p:spPr>
+          <a:xfrm flipH="1">
+            <a:off x="5772153" y="5184911"/>
+            <a:ext cx="3723" cy="619540"/>
+          </a:xfrm>
+          <a:prstGeom prst="line">
+            <a:avLst/>
+          </a:prstGeom>
+          <a:ln w="38100">
+            <a:prstDash val="sysDot"/>
+          </a:ln>
+        </p:spPr>
+        <p:style>
+          <a:lnRef idx="3">
+            <a:schemeClr val="dk1"/>
+          </a:lnRef>
+          <a:fillRef idx="0">
+            <a:schemeClr val="dk1"/>
+          </a:fillRef>
+          <a:effectRef idx="2">
+            <a:schemeClr val="dk1"/>
+          </a:effectRef>
+          <a:fontRef idx="minor">
+            <a:schemeClr val="tx1"/>
+          </a:fontRef>
+        </p:style>
+      </p:cxnSp>
+      <p:cxnSp>
+        <p:nvCxnSpPr>
+          <p:cNvPr id="39" name="Straight Connector 38">
+            <a:extLst>
+              <a:ext uri="{FF2B5EF4-FFF2-40B4-BE49-F238E27FC236}">
+                <a16:creationId xmlns:a16="http://schemas.microsoft.com/office/drawing/2014/main" id="{26F5C354-905F-F30F-354B-797265614714}"/>
+              </a:ext>
+            </a:extLst>
+          </p:cNvPr>
+          <p:cNvCxnSpPr>
+            <a:cxnSpLocks/>
+            <a:endCxn id="32" idx="0"/>
+          </p:cNvCxnSpPr>
+          <p:nvPr/>
+        </p:nvCxnSpPr>
+        <p:spPr>
+          <a:xfrm>
+            <a:off x="2623927" y="5184911"/>
+            <a:ext cx="0" cy="619542"/>
+          </a:xfrm>
+          <a:prstGeom prst="line">
+            <a:avLst/>
+          </a:prstGeom>
+          <a:ln w="38100">
+            <a:prstDash val="sysDot"/>
+          </a:ln>
+        </p:spPr>
+        <p:style>
+          <a:lnRef idx="3">
+            <a:schemeClr val="dk1"/>
+          </a:lnRef>
+          <a:fillRef idx="0">
+            <a:schemeClr val="dk1"/>
+          </a:fillRef>
+          <a:effectRef idx="2">
+            <a:schemeClr val="dk1"/>
+          </a:effectRef>
+          <a:fontRef idx="minor">
+            <a:schemeClr val="tx1"/>
+          </a:fontRef>
+        </p:style>
+      </p:cxnSp>
+      <p:sp>
+        <p:nvSpPr>
+          <p:cNvPr id="42" name="TextBox 41">
+            <a:extLst>
+              <a:ext uri="{FF2B5EF4-FFF2-40B4-BE49-F238E27FC236}">
+                <a16:creationId xmlns:a16="http://schemas.microsoft.com/office/drawing/2014/main" id="{3B978C6C-DABA-CE57-5B4C-451246B1E433}"/>
+              </a:ext>
+            </a:extLst>
+          </p:cNvPr>
+          <p:cNvSpPr txBox="1"/>
+          <p:nvPr/>
+        </p:nvSpPr>
+        <p:spPr>
+          <a:xfrm>
+            <a:off x="1325686" y="5435119"/>
+            <a:ext cx="1298241" cy="369332"/>
+          </a:xfrm>
+          <a:prstGeom prst="rect">
+            <a:avLst/>
+          </a:prstGeom>
+          <a:noFill/>
+        </p:spPr>
+        <p:txBody>
+          <a:bodyPr wrap="none" rtlCol="0">
+            <a:spAutoFit/>
+          </a:bodyPr>
+          <a:lstStyle/>
+          <a:p>
+            <a:r>
+              <a:rPr lang="en-US" dirty="0"/>
+              <a:t>implements</a:t>
+            </a:r>
+            <a:endParaRPr lang="en-IN" dirty="0"/>
+          </a:p>
+        </p:txBody>
+      </p:sp>
+      <p:sp>
+        <p:nvSpPr>
+          <p:cNvPr id="43" name="TextBox 42">
+            <a:extLst>
+              <a:ext uri="{FF2B5EF4-FFF2-40B4-BE49-F238E27FC236}">
+                <a16:creationId xmlns:a16="http://schemas.microsoft.com/office/drawing/2014/main" id="{B303CA2E-AE35-997A-EAEF-678A6895AA1F}"/>
+              </a:ext>
+            </a:extLst>
+          </p:cNvPr>
+          <p:cNvSpPr txBox="1"/>
+          <p:nvPr/>
+        </p:nvSpPr>
+        <p:spPr>
+          <a:xfrm>
+            <a:off x="4470181" y="5435118"/>
+            <a:ext cx="1298241" cy="369332"/>
+          </a:xfrm>
+          <a:prstGeom prst="rect">
+            <a:avLst/>
+          </a:prstGeom>
+          <a:noFill/>
+        </p:spPr>
+        <p:txBody>
+          <a:bodyPr wrap="none" rtlCol="0">
+            <a:spAutoFit/>
+          </a:bodyPr>
+          <a:lstStyle/>
+          <a:p>
+            <a:r>
+              <a:rPr lang="en-US" dirty="0"/>
+              <a:t>implements</a:t>
+            </a:r>
+            <a:endParaRPr lang="en-IN" dirty="0"/>
+          </a:p>
+        </p:txBody>
+      </p:sp>
+      <p:sp>
+        <p:nvSpPr>
+          <p:cNvPr id="44" name="TextBox 43">
+            <a:extLst>
+              <a:ext uri="{FF2B5EF4-FFF2-40B4-BE49-F238E27FC236}">
+                <a16:creationId xmlns:a16="http://schemas.microsoft.com/office/drawing/2014/main" id="{9F1EAE1D-B7D0-5B0E-ABA1-A5CC761315E8}"/>
+              </a:ext>
+            </a:extLst>
+          </p:cNvPr>
+          <p:cNvSpPr txBox="1"/>
+          <p:nvPr/>
+        </p:nvSpPr>
+        <p:spPr>
+          <a:xfrm>
+            <a:off x="8006439" y="5435118"/>
+            <a:ext cx="1298241" cy="369332"/>
+          </a:xfrm>
+          <a:prstGeom prst="rect">
+            <a:avLst/>
+          </a:prstGeom>
+          <a:noFill/>
+        </p:spPr>
+        <p:txBody>
+          <a:bodyPr wrap="none" rtlCol="0">
+            <a:spAutoFit/>
+          </a:bodyPr>
+          <a:lstStyle/>
+          <a:p>
+            <a:r>
+              <a:rPr lang="en-US" dirty="0"/>
+              <a:t>implements</a:t>
+            </a:r>
+            <a:endParaRPr lang="en-IN" dirty="0"/>
+          </a:p>
+        </p:txBody>
+      </p:sp>
+      <p:cxnSp>
+        <p:nvCxnSpPr>
+          <p:cNvPr id="45" name="Straight Arrow Connector 44">
+            <a:extLst>
+              <a:ext uri="{FF2B5EF4-FFF2-40B4-BE49-F238E27FC236}">
+                <a16:creationId xmlns:a16="http://schemas.microsoft.com/office/drawing/2014/main" id="{4BD32E4A-B70C-E894-10FD-BF928F312C8C}"/>
+              </a:ext>
+            </a:extLst>
+          </p:cNvPr>
+          <p:cNvCxnSpPr>
+            <a:cxnSpLocks/>
+            <a:stCxn id="30" idx="2"/>
+            <a:endCxn id="31" idx="6"/>
+          </p:cNvCxnSpPr>
+          <p:nvPr/>
+        </p:nvCxnSpPr>
+        <p:spPr>
+          <a:xfrm flipH="1" flipV="1">
+            <a:off x="5247857" y="4277135"/>
+            <a:ext cx="2726637" cy="1"/>
+          </a:xfrm>
+          <a:prstGeom prst="straightConnector1">
+            <a:avLst/>
+          </a:prstGeom>
+          <a:ln w="38100">
+            <a:tailEnd type="triangle"/>
+          </a:ln>
+        </p:spPr>
+        <p:style>
+          <a:lnRef idx="3">
+            <a:schemeClr val="dk1"/>
+          </a:lnRef>
+          <a:fillRef idx="0">
+            <a:schemeClr val="dk1"/>
+          </a:fillRef>
+          <a:effectRef idx="2">
+            <a:schemeClr val="dk1"/>
+          </a:effectRef>
+          <a:fontRef idx="minor">
+            <a:schemeClr val="tx1"/>
+          </a:fontRef>
+        </p:style>
+      </p:cxnSp>
+      <p:sp>
+        <p:nvSpPr>
+          <p:cNvPr id="48" name="TextBox 47">
+            <a:extLst>
+              <a:ext uri="{FF2B5EF4-FFF2-40B4-BE49-F238E27FC236}">
+                <a16:creationId xmlns:a16="http://schemas.microsoft.com/office/drawing/2014/main" id="{948D7489-BD4C-F3D1-7209-DA8FF6EE3674}"/>
+              </a:ext>
+            </a:extLst>
+          </p:cNvPr>
+          <p:cNvSpPr txBox="1"/>
+          <p:nvPr/>
+        </p:nvSpPr>
+        <p:spPr>
+          <a:xfrm>
+            <a:off x="6184312" y="4277134"/>
+            <a:ext cx="919995" cy="369332"/>
+          </a:xfrm>
+          <a:prstGeom prst="rect">
+            <a:avLst/>
+          </a:prstGeom>
+          <a:noFill/>
+        </p:spPr>
+        <p:txBody>
+          <a:bodyPr wrap="none" rtlCol="0">
+            <a:spAutoFit/>
+          </a:bodyPr>
+          <a:lstStyle/>
+          <a:p>
+            <a:r>
+              <a:rPr lang="en-US" dirty="0"/>
+              <a:t>extends</a:t>
+            </a:r>
+            <a:endParaRPr lang="en-IN" dirty="0"/>
+          </a:p>
+        </p:txBody>
+      </p:sp>
+      <p:sp>
+        <p:nvSpPr>
+          <p:cNvPr id="55" name="Oval 54">
+            <a:extLst>
+              <a:ext uri="{FF2B5EF4-FFF2-40B4-BE49-F238E27FC236}">
+                <a16:creationId xmlns:a16="http://schemas.microsoft.com/office/drawing/2014/main" id="{2FAB846F-F492-8780-8E71-2856A4E13106}"/>
+              </a:ext>
+            </a:extLst>
+          </p:cNvPr>
+          <p:cNvSpPr/>
+          <p:nvPr/>
+        </p:nvSpPr>
+        <p:spPr>
+          <a:xfrm>
+            <a:off x="7696409" y="4896675"/>
+            <a:ext cx="3216541" cy="576471"/>
+          </a:xfrm>
+          <a:prstGeom prst="ellipse">
+            <a:avLst/>
+          </a:prstGeom>
+        </p:spPr>
+        <p:style>
+          <a:lnRef idx="1">
+            <a:schemeClr val="accent1"/>
+          </a:lnRef>
+          <a:fillRef idx="2">
+            <a:schemeClr val="accent1"/>
+          </a:fillRef>
+          <a:effectRef idx="1">
+            <a:schemeClr val="accent1"/>
+          </a:effectRef>
+          <a:fontRef idx="minor">
+            <a:schemeClr val="dk1"/>
+          </a:fontRef>
+        </p:style>
+        <p:txBody>
+          <a:bodyPr rtlCol="0" anchor="ctr"/>
+          <a:lstStyle/>
+          <a:p>
+            <a:pPr algn="ctr"/>
+            <a:r>
+              <a:rPr lang="en-US" sz="2400" dirty="0">
+                <a:ln w="0"/>
+                <a:solidFill>
+                  <a:schemeClr val="tx1"/>
+                </a:solidFill>
+                <a:effectLst>
+                  <a:outerShdw blurRad="38100" dist="19050" dir="2700000" algn="tl" rotWithShape="0">
+                    <a:schemeClr val="dk1">
+                      <a:alpha val="40000"/>
+                    </a:schemeClr>
+                  </a:outerShdw>
+                </a:effectLst>
+              </a:rPr>
+              <a:t>NavigableSet&lt;E&gt;</a:t>
+            </a:r>
+            <a:endParaRPr lang="en-IN" sz="2400" dirty="0"/>
+          </a:p>
+        </p:txBody>
+      </p:sp>
+      <p:cxnSp>
+        <p:nvCxnSpPr>
+          <p:cNvPr id="58" name="Straight Arrow Connector 57">
+            <a:extLst>
+              <a:ext uri="{FF2B5EF4-FFF2-40B4-BE49-F238E27FC236}">
+                <a16:creationId xmlns:a16="http://schemas.microsoft.com/office/drawing/2014/main" id="{C7BF22FE-3DBE-0503-58D3-7A144AA074E6}"/>
+              </a:ext>
+            </a:extLst>
+          </p:cNvPr>
+          <p:cNvCxnSpPr>
+            <a:cxnSpLocks/>
+            <a:stCxn id="55" idx="0"/>
+            <a:endCxn id="30" idx="4"/>
+          </p:cNvCxnSpPr>
+          <p:nvPr/>
+        </p:nvCxnSpPr>
+        <p:spPr>
+          <a:xfrm flipV="1">
+            <a:off x="9304680" y="4565371"/>
+            <a:ext cx="0" cy="331304"/>
+          </a:xfrm>
+          <a:prstGeom prst="straightConnector1">
+            <a:avLst/>
+          </a:prstGeom>
+          <a:ln w="38100">
+            <a:tailEnd type="triangle"/>
+          </a:ln>
+        </p:spPr>
+        <p:style>
+          <a:lnRef idx="3">
+            <a:schemeClr val="dk1"/>
+          </a:lnRef>
+          <a:fillRef idx="0">
+            <a:schemeClr val="dk1"/>
+          </a:fillRef>
+          <a:effectRef idx="2">
+            <a:schemeClr val="dk1"/>
+          </a:effectRef>
+          <a:fontRef idx="minor">
+            <a:schemeClr val="tx1"/>
+          </a:fontRef>
+        </p:style>
+      </p:cxnSp>
+      <p:sp>
+        <p:nvSpPr>
+          <p:cNvPr id="61" name="TextBox 60">
+            <a:extLst>
+              <a:ext uri="{FF2B5EF4-FFF2-40B4-BE49-F238E27FC236}">
+                <a16:creationId xmlns:a16="http://schemas.microsoft.com/office/drawing/2014/main" id="{DA4C5EBD-794B-500D-7806-204A9057E81D}"/>
+              </a:ext>
+            </a:extLst>
+          </p:cNvPr>
+          <p:cNvSpPr txBox="1"/>
+          <p:nvPr/>
+        </p:nvSpPr>
+        <p:spPr>
+          <a:xfrm>
+            <a:off x="8382929" y="4527343"/>
+            <a:ext cx="919995" cy="369332"/>
+          </a:xfrm>
+          <a:prstGeom prst="rect">
+            <a:avLst/>
+          </a:prstGeom>
+          <a:noFill/>
+        </p:spPr>
+        <p:txBody>
+          <a:bodyPr wrap="none" rtlCol="0">
+            <a:spAutoFit/>
+          </a:bodyPr>
+          <a:lstStyle/>
+          <a:p>
+            <a:r>
+              <a:rPr lang="en-US" dirty="0"/>
+              <a:t>extends</a:t>
+            </a:r>
+            <a:endParaRPr lang="en-IN" dirty="0"/>
+          </a:p>
+        </p:txBody>
+      </p:sp>
+    </p:spTree>
+    <p:extLst>
+      <p:ext uri="{BB962C8B-B14F-4D97-AF65-F5344CB8AC3E}">
+        <p14:creationId xmlns:p14="http://schemas.microsoft.com/office/powerpoint/2010/main" val="3130393560"/>
+      </p:ext>
+    </p:extLst>
+  </p:cSld>
+  <p:clrMapOvr>
+    <a:masterClrMapping/>
+  </p:clrMapOvr>
+</p:sld>
+</file>
+
+<file path=ppt/slides/slide12.xml><?xml version="1.0" encoding="utf-8"?>
+<p:sld xmlns:a="http://schemas.openxmlformats.org/drawingml/2006/main" xmlns:r="http://schemas.openxmlformats.org/officeDocument/2006/relationships" xmlns:p="http://schemas.openxmlformats.org/presentationml/2006/main">
+  <p:cSld>
+    <p:spTree>
+      <p:nvGrpSpPr>
+        <p:cNvPr id="1" name=""/>
+        <p:cNvGrpSpPr/>
+        <p:nvPr/>
+      </p:nvGrpSpPr>
+      <p:grpSpPr>
+        <a:xfrm>
+          <a:off x="0" y="0"/>
+          <a:ext cx="0" cy="0"/>
+          <a:chOff x="0" y="0"/>
+          <a:chExt cx="0" cy="0"/>
+        </a:xfrm>
+      </p:grpSpPr>
+      <p:sp>
+        <p:nvSpPr>
+          <p:cNvPr id="2" name="Content Placeholder 2">
+            <a:extLst>
+              <a:ext uri="{FF2B5EF4-FFF2-40B4-BE49-F238E27FC236}">
+                <a16:creationId xmlns:a16="http://schemas.microsoft.com/office/drawing/2014/main" id="{C4E922E7-B016-AFB8-4CC3-F4B3DACEE5BC}"/>
+              </a:ext>
+            </a:extLst>
+          </p:cNvPr>
+          <p:cNvSpPr txBox="1">
+            <a:spLocks/>
+          </p:cNvSpPr>
+          <p:nvPr/>
+        </p:nvSpPr>
+        <p:spPr>
+          <a:xfrm>
+            <a:off x="69444" y="183874"/>
+            <a:ext cx="12053109" cy="6490251"/>
+          </a:xfrm>
+          <a:prstGeom prst="rect">
+            <a:avLst/>
+          </a:prstGeom>
+        </p:spPr>
+        <p:txBody>
+          <a:bodyPr vert="horz" lIns="91440" tIns="45720" rIns="91440" bIns="45720" rtlCol="0">
+            <a:normAutofit/>
+          </a:bodyPr>
+          <a:lstStyle>
+            <a:lvl1pPr marL="0" indent="0" algn="ctr" defTabSz="914400" rtl="0" eaLnBrk="1" latinLnBrk="0" hangingPunct="1">
+              <a:lnSpc>
+                <a:spcPct val="90000"/>
+              </a:lnSpc>
+              <a:spcBef>
+                <a:spcPts val="1000"/>
+              </a:spcBef>
+              <a:buFont typeface="Arial" panose="020B0604020202020204" pitchFamily="34" charset="0"/>
+              <a:buNone/>
+              <a:defRPr sz="2400" kern="1200">
+                <a:solidFill>
+                  <a:schemeClr val="tx1"/>
+                </a:solidFill>
+                <a:latin typeface="+mn-lt"/>
+                <a:ea typeface="+mn-ea"/>
+                <a:cs typeface="+mn-cs"/>
+              </a:defRPr>
+            </a:lvl1pPr>
+            <a:lvl2pPr marL="457200" indent="0" algn="ctr" defTabSz="914400" rtl="0" eaLnBrk="1" latinLnBrk="0" hangingPunct="1">
+              <a:lnSpc>
+                <a:spcPct val="90000"/>
+              </a:lnSpc>
+              <a:spcBef>
+                <a:spcPts val="500"/>
+              </a:spcBef>
+              <a:buFont typeface="Arial" panose="020B0604020202020204" pitchFamily="34" charset="0"/>
+              <a:buNone/>
+              <a:defRPr sz="2000" kern="1200">
+                <a:solidFill>
+                  <a:schemeClr val="tx1"/>
+                </a:solidFill>
+                <a:latin typeface="+mn-lt"/>
+                <a:ea typeface="+mn-ea"/>
+                <a:cs typeface="+mn-cs"/>
+              </a:defRPr>
+            </a:lvl2pPr>
+            <a:lvl3pPr marL="914400" indent="0" algn="ctr" defTabSz="914400" rtl="0" eaLnBrk="1" latinLnBrk="0" hangingPunct="1">
+              <a:lnSpc>
+                <a:spcPct val="90000"/>
+              </a:lnSpc>
+              <a:spcBef>
+                <a:spcPts val="500"/>
+              </a:spcBef>
+              <a:buFont typeface="Arial" panose="020B0604020202020204" pitchFamily="34" charset="0"/>
+              <a:buNone/>
+              <a:defRPr sz="1800" kern="1200">
+                <a:solidFill>
+                  <a:schemeClr val="tx1"/>
+                </a:solidFill>
+                <a:latin typeface="+mn-lt"/>
+                <a:ea typeface="+mn-ea"/>
+                <a:cs typeface="+mn-cs"/>
+              </a:defRPr>
+            </a:lvl3pPr>
+            <a:lvl4pPr marL="1371600" indent="0" algn="ctr" defTabSz="914400" rtl="0" eaLnBrk="1" latinLnBrk="0" hangingPunct="1">
+              <a:lnSpc>
+                <a:spcPct val="90000"/>
+              </a:lnSpc>
+              <a:spcBef>
+                <a:spcPts val="500"/>
+              </a:spcBef>
+              <a:buFont typeface="Arial" panose="020B0604020202020204" pitchFamily="34" charset="0"/>
+              <a:buNone/>
+              <a:defRPr sz="1600" kern="1200">
+                <a:solidFill>
+                  <a:schemeClr val="tx1"/>
+                </a:solidFill>
+                <a:latin typeface="+mn-lt"/>
+                <a:ea typeface="+mn-ea"/>
+                <a:cs typeface="+mn-cs"/>
+              </a:defRPr>
+            </a:lvl4pPr>
+            <a:lvl5pPr marL="1828800" indent="0" algn="ctr" defTabSz="914400" rtl="0" eaLnBrk="1" latinLnBrk="0" hangingPunct="1">
+              <a:lnSpc>
+                <a:spcPct val="90000"/>
+              </a:lnSpc>
+              <a:spcBef>
+                <a:spcPts val="500"/>
+              </a:spcBef>
+              <a:buFont typeface="Arial" panose="020B0604020202020204" pitchFamily="34" charset="0"/>
+              <a:buNone/>
+              <a:defRPr sz="1600" kern="1200">
+                <a:solidFill>
+                  <a:schemeClr val="tx1"/>
+                </a:solidFill>
+                <a:latin typeface="+mn-lt"/>
+                <a:ea typeface="+mn-ea"/>
+                <a:cs typeface="+mn-cs"/>
+              </a:defRPr>
+            </a:lvl5pPr>
+            <a:lvl6pPr marL="2286000" indent="0" algn="ctr" defTabSz="914400" rtl="0" eaLnBrk="1" latinLnBrk="0" hangingPunct="1">
+              <a:lnSpc>
+                <a:spcPct val="90000"/>
+              </a:lnSpc>
+              <a:spcBef>
+                <a:spcPts val="500"/>
+              </a:spcBef>
+              <a:buFont typeface="Arial" panose="020B0604020202020204" pitchFamily="34" charset="0"/>
+              <a:buNone/>
+              <a:defRPr sz="1600" kern="1200">
+                <a:solidFill>
+                  <a:schemeClr val="tx1"/>
+                </a:solidFill>
+                <a:latin typeface="+mn-lt"/>
+                <a:ea typeface="+mn-ea"/>
+                <a:cs typeface="+mn-cs"/>
+              </a:defRPr>
+            </a:lvl6pPr>
+            <a:lvl7pPr marL="2743200" indent="0" algn="ctr" defTabSz="914400" rtl="0" eaLnBrk="1" latinLnBrk="0" hangingPunct="1">
+              <a:lnSpc>
+                <a:spcPct val="90000"/>
+              </a:lnSpc>
+              <a:spcBef>
+                <a:spcPts val="500"/>
+              </a:spcBef>
+              <a:buFont typeface="Arial" panose="020B0604020202020204" pitchFamily="34" charset="0"/>
+              <a:buNone/>
+              <a:defRPr sz="1600" kern="1200">
+                <a:solidFill>
+                  <a:schemeClr val="tx1"/>
+                </a:solidFill>
+                <a:latin typeface="+mn-lt"/>
+                <a:ea typeface="+mn-ea"/>
+                <a:cs typeface="+mn-cs"/>
+              </a:defRPr>
+            </a:lvl7pPr>
+            <a:lvl8pPr marL="3200400" indent="0" algn="ctr" defTabSz="914400" rtl="0" eaLnBrk="1" latinLnBrk="0" hangingPunct="1">
+              <a:lnSpc>
+                <a:spcPct val="90000"/>
+              </a:lnSpc>
+              <a:spcBef>
+                <a:spcPts val="500"/>
+              </a:spcBef>
+              <a:buFont typeface="Arial" panose="020B0604020202020204" pitchFamily="34" charset="0"/>
+              <a:buNone/>
+              <a:defRPr sz="1600" kern="1200">
+                <a:solidFill>
+                  <a:schemeClr val="tx1"/>
+                </a:solidFill>
+                <a:latin typeface="+mn-lt"/>
+                <a:ea typeface="+mn-ea"/>
+                <a:cs typeface="+mn-cs"/>
+              </a:defRPr>
+            </a:lvl8pPr>
+            <a:lvl9pPr marL="3657600" indent="0" algn="ctr" defTabSz="914400" rtl="0" eaLnBrk="1" latinLnBrk="0" hangingPunct="1">
+              <a:lnSpc>
+                <a:spcPct val="90000"/>
+              </a:lnSpc>
+              <a:spcBef>
+                <a:spcPts val="500"/>
+              </a:spcBef>
+              <a:buFont typeface="Arial" panose="020B0604020202020204" pitchFamily="34" charset="0"/>
+              <a:buNone/>
+              <a:defRPr sz="1600" kern="1200">
+                <a:solidFill>
+                  <a:schemeClr val="tx1"/>
+                </a:solidFill>
+                <a:latin typeface="+mn-lt"/>
+                <a:ea typeface="+mn-ea"/>
+                <a:cs typeface="+mn-cs"/>
+              </a:defRPr>
+            </a:lvl9pPr>
+          </a:lstStyle>
+          <a:p>
+            <a:pPr marL="342900" indent="-342900" algn="l">
+              <a:buAutoNum type="arabicPeriod"/>
+            </a:pPr>
+            <a:r>
+              <a:rPr lang="en-US" sz="1800" b="1" dirty="0"/>
+              <a:t>HashSet&lt;E&gt;:</a:t>
+            </a:r>
+          </a:p>
+          <a:p>
+            <a:pPr marL="285750" indent="-285750" algn="l">
+              <a:buFont typeface="Wingdings" panose="05000000000000000000" pitchFamily="2" charset="2"/>
+              <a:buChar char="ü"/>
+            </a:pPr>
+            <a:r>
+              <a:rPr lang="en-US" sz="1800" dirty="0"/>
+              <a:t>HashSet provides a collection of unique elements without any specific order.</a:t>
+            </a:r>
+          </a:p>
+          <a:p>
+            <a:pPr marL="285750" indent="-285750" algn="l">
+              <a:buFont typeface="Wingdings" panose="05000000000000000000" pitchFamily="2" charset="2"/>
+              <a:buChar char="ü"/>
+            </a:pPr>
+            <a:r>
+              <a:rPr lang="en-US" sz="1800" dirty="0"/>
+              <a:t>It ensures that duplicates are not allowed.</a:t>
+            </a:r>
+          </a:p>
+          <a:p>
+            <a:pPr marL="342900" indent="-342900" algn="l">
+              <a:buAutoNum type="arabicPeriod" startAt="2"/>
+            </a:pPr>
+            <a:r>
+              <a:rPr lang="en-US" sz="1800" b="1" dirty="0"/>
+              <a:t>LinkedHashSet&lt;E&gt;:</a:t>
+            </a:r>
+          </a:p>
+          <a:p>
+            <a:pPr marL="285750" indent="-285750" algn="l">
+              <a:buFont typeface="Wingdings" panose="05000000000000000000" pitchFamily="2" charset="2"/>
+              <a:buChar char="ü"/>
+            </a:pPr>
+            <a:r>
+              <a:rPr lang="en-US" sz="1800" dirty="0"/>
+              <a:t>Unlike HashSet, this maintains the order in which elements were inserted into the Set&lt;E&gt;.</a:t>
+            </a:r>
+          </a:p>
+          <a:p>
+            <a:pPr marL="285750" indent="-285750" algn="l">
+              <a:buFont typeface="Wingdings" panose="05000000000000000000" pitchFamily="2" charset="2"/>
+              <a:buChar char="ü"/>
+            </a:pPr>
+            <a:r>
+              <a:rPr lang="en-US" sz="1800" dirty="0"/>
+              <a:t>And this as well ensures that duplicates are not allowed.</a:t>
+            </a:r>
+          </a:p>
+          <a:p>
+            <a:pPr marL="342900" indent="-342900" algn="l">
+              <a:buAutoNum type="arabicPeriod" startAt="3"/>
+            </a:pPr>
+            <a:r>
+              <a:rPr lang="en-US" sz="1800" b="1" dirty="0"/>
+              <a:t>TreeSet&lt;E&gt;:</a:t>
+            </a:r>
+          </a:p>
+          <a:p>
+            <a:pPr marL="285750" indent="-285750" algn="l">
+              <a:buFont typeface="Wingdings" panose="05000000000000000000" pitchFamily="2" charset="2"/>
+              <a:buChar char="ü"/>
+            </a:pPr>
+            <a:r>
+              <a:rPr lang="en-US" sz="1800" dirty="0"/>
+              <a:t>Unlike HashSet and LinkedHashSet, this maintains the elements in sorted order (natural order - ascending). But we can customize the ordering by providing Comparator during TreeSet&lt;E&gt; creation.</a:t>
+            </a:r>
+          </a:p>
+          <a:p>
+            <a:pPr marL="285750" indent="-285750" algn="l">
+              <a:buFont typeface="Wingdings" panose="05000000000000000000" pitchFamily="2" charset="2"/>
+              <a:buChar char="ü"/>
+            </a:pPr>
+            <a:r>
+              <a:rPr lang="en-US" sz="1800" dirty="0"/>
+              <a:t>This as well ensures that duplicates are not allowed.</a:t>
+            </a:r>
+          </a:p>
+          <a:p>
+            <a:pPr marL="285750" indent="-285750" algn="l">
+              <a:buFont typeface="Wingdings" panose="05000000000000000000" pitchFamily="2" charset="2"/>
+              <a:buChar char="ü"/>
+            </a:pPr>
+            <a:r>
+              <a:rPr lang="en-US" sz="1800" dirty="0"/>
+              <a:t>TreeSet&lt;E&gt; uses a </a:t>
+            </a:r>
+            <a:r>
+              <a:rPr lang="en-US" sz="1800" b="1" dirty="0"/>
+              <a:t>Red-Black Tree </a:t>
+            </a:r>
+            <a:r>
+              <a:rPr lang="en-US" sz="1800" dirty="0"/>
+              <a:t>data-structure internally for efficient sorting and retrieval operations. </a:t>
+            </a:r>
+          </a:p>
+        </p:txBody>
+      </p:sp>
+    </p:spTree>
+    <p:extLst>
+      <p:ext uri="{BB962C8B-B14F-4D97-AF65-F5344CB8AC3E}">
+        <p14:creationId xmlns:p14="http://schemas.microsoft.com/office/powerpoint/2010/main" val="831629239"/>
+      </p:ext>
+    </p:extLst>
+  </p:cSld>
+  <p:clrMapOvr>
+    <a:masterClrMapping/>
+  </p:clrMapOvr>
+</p:sld>
+</file>
+
+<file path=ppt/slides/slide13.xml><?xml version="1.0" encoding="utf-8"?>
+<p:sld xmlns:a="http://schemas.openxmlformats.org/drawingml/2006/main" xmlns:r="http://schemas.openxmlformats.org/officeDocument/2006/relationships" xmlns:p="http://schemas.openxmlformats.org/presentationml/2006/main">
+  <p:cSld>
+    <p:spTree>
+      <p:nvGrpSpPr>
+        <p:cNvPr id="1" name=""/>
+        <p:cNvGrpSpPr/>
+        <p:nvPr/>
+      </p:nvGrpSpPr>
+      <p:grpSpPr>
+        <a:xfrm>
+          <a:off x="0" y="0"/>
+          <a:ext cx="0" cy="0"/>
+          <a:chOff x="0" y="0"/>
+          <a:chExt cx="0" cy="0"/>
+        </a:xfrm>
+      </p:grpSpPr>
+      <p:sp>
+        <p:nvSpPr>
+          <p:cNvPr id="2" name="Title 1">
+            <a:extLst>
+              <a:ext uri="{FF2B5EF4-FFF2-40B4-BE49-F238E27FC236}">
+                <a16:creationId xmlns:a16="http://schemas.microsoft.com/office/drawing/2014/main" id="{6F7301EF-D8C8-F5AE-AA71-7E27C01583B5}"/>
+              </a:ext>
+            </a:extLst>
+          </p:cNvPr>
+          <p:cNvSpPr txBox="1">
+            <a:spLocks/>
+          </p:cNvSpPr>
+          <p:nvPr/>
+        </p:nvSpPr>
+        <p:spPr>
+          <a:xfrm>
+            <a:off x="838200" y="65781"/>
+            <a:ext cx="10515600" cy="658129"/>
+          </a:xfrm>
+          <a:prstGeom prst="rect">
+            <a:avLst/>
+          </a:prstGeom>
+        </p:spPr>
+        <p:txBody>
+          <a:bodyPr vert="horz" lIns="91440" tIns="45720" rIns="91440" bIns="45720" rtlCol="0" anchor="b">
+            <a:normAutofit fontScale="75000" lnSpcReduction="20000"/>
+          </a:bodyPr>
+          <a:lstStyle>
+            <a:lvl1pPr algn="ctr" defTabSz="914400" rtl="0" eaLnBrk="1" latinLnBrk="0" hangingPunct="1">
+              <a:lnSpc>
+                <a:spcPct val="90000"/>
+              </a:lnSpc>
+              <a:spcBef>
+                <a:spcPct val="0"/>
+              </a:spcBef>
+              <a:buNone/>
+              <a:defRPr sz="6000" kern="1200">
+                <a:solidFill>
+                  <a:schemeClr val="tx1"/>
+                </a:solidFill>
+                <a:latin typeface="+mj-lt"/>
+                <a:ea typeface="+mj-ea"/>
+                <a:cs typeface="+mj-cs"/>
+              </a:defRPr>
+            </a:lvl1pPr>
+          </a:lstStyle>
+          <a:p>
+            <a:r>
+              <a:rPr lang="en-US" b="1" u="sng" dirty="0"/>
+              <a:t>Map&lt;K, V&gt;</a:t>
+            </a:r>
+          </a:p>
+        </p:txBody>
+      </p:sp>
+      <p:sp>
+        <p:nvSpPr>
+          <p:cNvPr id="3" name="Content Placeholder 2">
+            <a:extLst>
+              <a:ext uri="{FF2B5EF4-FFF2-40B4-BE49-F238E27FC236}">
+                <a16:creationId xmlns:a16="http://schemas.microsoft.com/office/drawing/2014/main" id="{54DA235C-9D8B-877E-A57E-86AA8FD01D85}"/>
+              </a:ext>
+            </a:extLst>
+          </p:cNvPr>
+          <p:cNvSpPr txBox="1">
+            <a:spLocks/>
+          </p:cNvSpPr>
+          <p:nvPr/>
+        </p:nvSpPr>
+        <p:spPr>
+          <a:xfrm>
+            <a:off x="54427" y="723910"/>
+            <a:ext cx="12053109" cy="3183889"/>
+          </a:xfrm>
+          <a:prstGeom prst="rect">
+            <a:avLst/>
+          </a:prstGeom>
+        </p:spPr>
+        <p:txBody>
+          <a:bodyPr vert="horz" lIns="91440" tIns="45720" rIns="91440" bIns="45720" rtlCol="0">
+            <a:normAutofit fontScale="92500" lnSpcReduction="20000"/>
+          </a:bodyPr>
+          <a:lstStyle>
+            <a:lvl1pPr marL="0" indent="0" algn="ctr" defTabSz="914400" rtl="0" eaLnBrk="1" latinLnBrk="0" hangingPunct="1">
+              <a:lnSpc>
+                <a:spcPct val="90000"/>
+              </a:lnSpc>
+              <a:spcBef>
+                <a:spcPts val="1000"/>
+              </a:spcBef>
+              <a:buFont typeface="Arial" panose="020B0604020202020204" pitchFamily="34" charset="0"/>
+              <a:buNone/>
+              <a:defRPr sz="2400" kern="1200">
+                <a:solidFill>
+                  <a:schemeClr val="tx1"/>
+                </a:solidFill>
+                <a:latin typeface="+mn-lt"/>
+                <a:ea typeface="+mn-ea"/>
+                <a:cs typeface="+mn-cs"/>
+              </a:defRPr>
+            </a:lvl1pPr>
+            <a:lvl2pPr marL="457200" indent="0" algn="ctr" defTabSz="914400" rtl="0" eaLnBrk="1" latinLnBrk="0" hangingPunct="1">
+              <a:lnSpc>
+                <a:spcPct val="90000"/>
+              </a:lnSpc>
+              <a:spcBef>
+                <a:spcPts val="500"/>
+              </a:spcBef>
+              <a:buFont typeface="Arial" panose="020B0604020202020204" pitchFamily="34" charset="0"/>
+              <a:buNone/>
+              <a:defRPr sz="2000" kern="1200">
+                <a:solidFill>
+                  <a:schemeClr val="tx1"/>
+                </a:solidFill>
+                <a:latin typeface="+mn-lt"/>
+                <a:ea typeface="+mn-ea"/>
+                <a:cs typeface="+mn-cs"/>
+              </a:defRPr>
+            </a:lvl2pPr>
+            <a:lvl3pPr marL="914400" indent="0" algn="ctr" defTabSz="914400" rtl="0" eaLnBrk="1" latinLnBrk="0" hangingPunct="1">
+              <a:lnSpc>
+                <a:spcPct val="90000"/>
+              </a:lnSpc>
+              <a:spcBef>
+                <a:spcPts val="500"/>
+              </a:spcBef>
+              <a:buFont typeface="Arial" panose="020B0604020202020204" pitchFamily="34" charset="0"/>
+              <a:buNone/>
+              <a:defRPr sz="1800" kern="1200">
+                <a:solidFill>
+                  <a:schemeClr val="tx1"/>
+                </a:solidFill>
+                <a:latin typeface="+mn-lt"/>
+                <a:ea typeface="+mn-ea"/>
+                <a:cs typeface="+mn-cs"/>
+              </a:defRPr>
+            </a:lvl3pPr>
+            <a:lvl4pPr marL="1371600" indent="0" algn="ctr" defTabSz="914400" rtl="0" eaLnBrk="1" latinLnBrk="0" hangingPunct="1">
+              <a:lnSpc>
+                <a:spcPct val="90000"/>
+              </a:lnSpc>
+              <a:spcBef>
+                <a:spcPts val="500"/>
+              </a:spcBef>
+              <a:buFont typeface="Arial" panose="020B0604020202020204" pitchFamily="34" charset="0"/>
+              <a:buNone/>
+              <a:defRPr sz="1600" kern="1200">
+                <a:solidFill>
+                  <a:schemeClr val="tx1"/>
+                </a:solidFill>
+                <a:latin typeface="+mn-lt"/>
+                <a:ea typeface="+mn-ea"/>
+                <a:cs typeface="+mn-cs"/>
+              </a:defRPr>
+            </a:lvl4pPr>
+            <a:lvl5pPr marL="1828800" indent="0" algn="ctr" defTabSz="914400" rtl="0" eaLnBrk="1" latinLnBrk="0" hangingPunct="1">
+              <a:lnSpc>
+                <a:spcPct val="90000"/>
+              </a:lnSpc>
+              <a:spcBef>
+                <a:spcPts val="500"/>
+              </a:spcBef>
+              <a:buFont typeface="Arial" panose="020B0604020202020204" pitchFamily="34" charset="0"/>
+              <a:buNone/>
+              <a:defRPr sz="1600" kern="1200">
+                <a:solidFill>
+                  <a:schemeClr val="tx1"/>
+                </a:solidFill>
+                <a:latin typeface="+mn-lt"/>
+                <a:ea typeface="+mn-ea"/>
+                <a:cs typeface="+mn-cs"/>
+              </a:defRPr>
+            </a:lvl5pPr>
+            <a:lvl6pPr marL="2286000" indent="0" algn="ctr" defTabSz="914400" rtl="0" eaLnBrk="1" latinLnBrk="0" hangingPunct="1">
+              <a:lnSpc>
+                <a:spcPct val="90000"/>
+              </a:lnSpc>
+              <a:spcBef>
+                <a:spcPts val="500"/>
+              </a:spcBef>
+              <a:buFont typeface="Arial" panose="020B0604020202020204" pitchFamily="34" charset="0"/>
+              <a:buNone/>
+              <a:defRPr sz="1600" kern="1200">
+                <a:solidFill>
+                  <a:schemeClr val="tx1"/>
+                </a:solidFill>
+                <a:latin typeface="+mn-lt"/>
+                <a:ea typeface="+mn-ea"/>
+                <a:cs typeface="+mn-cs"/>
+              </a:defRPr>
+            </a:lvl6pPr>
+            <a:lvl7pPr marL="2743200" indent="0" algn="ctr" defTabSz="914400" rtl="0" eaLnBrk="1" latinLnBrk="0" hangingPunct="1">
+              <a:lnSpc>
+                <a:spcPct val="90000"/>
+              </a:lnSpc>
+              <a:spcBef>
+                <a:spcPts val="500"/>
+              </a:spcBef>
+              <a:buFont typeface="Arial" panose="020B0604020202020204" pitchFamily="34" charset="0"/>
+              <a:buNone/>
+              <a:defRPr sz="1600" kern="1200">
+                <a:solidFill>
+                  <a:schemeClr val="tx1"/>
+                </a:solidFill>
+                <a:latin typeface="+mn-lt"/>
+                <a:ea typeface="+mn-ea"/>
+                <a:cs typeface="+mn-cs"/>
+              </a:defRPr>
+            </a:lvl7pPr>
+            <a:lvl8pPr marL="3200400" indent="0" algn="ctr" defTabSz="914400" rtl="0" eaLnBrk="1" latinLnBrk="0" hangingPunct="1">
+              <a:lnSpc>
+                <a:spcPct val="90000"/>
+              </a:lnSpc>
+              <a:spcBef>
+                <a:spcPts val="500"/>
+              </a:spcBef>
+              <a:buFont typeface="Arial" panose="020B0604020202020204" pitchFamily="34" charset="0"/>
+              <a:buNone/>
+              <a:defRPr sz="1600" kern="1200">
+                <a:solidFill>
+                  <a:schemeClr val="tx1"/>
+                </a:solidFill>
+                <a:latin typeface="+mn-lt"/>
+                <a:ea typeface="+mn-ea"/>
+                <a:cs typeface="+mn-cs"/>
+              </a:defRPr>
+            </a:lvl8pPr>
+            <a:lvl9pPr marL="3657600" indent="0" algn="ctr" defTabSz="914400" rtl="0" eaLnBrk="1" latinLnBrk="0" hangingPunct="1">
+              <a:lnSpc>
+                <a:spcPct val="90000"/>
+              </a:lnSpc>
+              <a:spcBef>
+                <a:spcPts val="500"/>
+              </a:spcBef>
+              <a:buFont typeface="Arial" panose="020B0604020202020204" pitchFamily="34" charset="0"/>
+              <a:buNone/>
+              <a:defRPr sz="1600" kern="1200">
+                <a:solidFill>
+                  <a:schemeClr val="tx1"/>
+                </a:solidFill>
+                <a:latin typeface="+mn-lt"/>
+                <a:ea typeface="+mn-ea"/>
+                <a:cs typeface="+mn-cs"/>
+              </a:defRPr>
+            </a:lvl9pPr>
+          </a:lstStyle>
+          <a:p>
+            <a:pPr marL="285750" indent="-285750" algn="l">
+              <a:buFont typeface="Wingdings" panose="05000000000000000000" pitchFamily="2" charset="2"/>
+              <a:buChar char="ü"/>
+            </a:pPr>
+            <a:r>
+              <a:rPr lang="en-US" sz="2100" dirty="0"/>
+              <a:t>Map&lt;K, V&gt; represents a collection of key-value pairs, where each key is unique and maps to a specific value.</a:t>
+            </a:r>
+          </a:p>
+          <a:p>
+            <a:pPr marL="285750" indent="-285750" algn="l">
+              <a:buFont typeface="Wingdings" panose="05000000000000000000" pitchFamily="2" charset="2"/>
+              <a:buChar char="ü"/>
+            </a:pPr>
+            <a:r>
+              <a:rPr lang="en-US" sz="2100" dirty="0"/>
+              <a:t>It allows for efficient data retrieval based on keys, making it useful for tasks like looking up values by identifiers.</a:t>
+            </a:r>
+          </a:p>
+          <a:p>
+            <a:pPr marL="285750" indent="-285750" algn="l">
+              <a:buFont typeface="Wingdings" panose="05000000000000000000" pitchFamily="2" charset="2"/>
+              <a:buChar char="ü"/>
+            </a:pPr>
+            <a:r>
+              <a:rPr lang="en-US" sz="2100" dirty="0"/>
+              <a:t>Map&lt;K, V&gt; doesn't allow duplicate keys, but we can have duplicate values.</a:t>
+            </a:r>
+          </a:p>
+          <a:p>
+            <a:pPr marL="285750" indent="-285750" algn="l">
+              <a:buFont typeface="Wingdings" panose="05000000000000000000" pitchFamily="2" charset="2"/>
+              <a:buChar char="ü"/>
+            </a:pPr>
+            <a:endParaRPr lang="en-US" sz="2100" dirty="0"/>
+          </a:p>
+          <a:p>
+            <a:pPr marL="285750" indent="-285750" algn="l">
+              <a:buFont typeface="Wingdings" panose="05000000000000000000" pitchFamily="2" charset="2"/>
+              <a:buChar char="v"/>
+            </a:pPr>
+            <a:r>
+              <a:rPr lang="en-US" sz="2100" b="1" dirty="0"/>
+              <a:t>Implementations of the Map&lt;K, V&gt;:</a:t>
+            </a:r>
+          </a:p>
+          <a:p>
+            <a:pPr algn="l"/>
+            <a:r>
+              <a:rPr lang="en-US" sz="2100" b="1" dirty="0"/>
+              <a:t>	</a:t>
+            </a:r>
+            <a:r>
+              <a:rPr lang="en-US" sz="2100" dirty="0"/>
+              <a:t>1. HashMap&lt;K, V&gt;</a:t>
+            </a:r>
+          </a:p>
+          <a:p>
+            <a:pPr algn="l"/>
+            <a:r>
+              <a:rPr lang="en-US" sz="2100" dirty="0"/>
+              <a:t>	2. LinkedHashMap&lt;K, V&gt;</a:t>
+            </a:r>
+          </a:p>
+          <a:p>
+            <a:pPr marL="342900" indent="-342900" algn="l">
+              <a:buFont typeface="Wingdings" panose="05000000000000000000" pitchFamily="2" charset="2"/>
+              <a:buChar char="v"/>
+            </a:pPr>
+            <a:r>
+              <a:rPr lang="en-US" sz="2100" b="1" dirty="0"/>
+              <a:t>NavigableMap&lt;K, V&gt; extends SortedMap&lt;K, V&gt; extends Map&lt;K, V&gt;:</a:t>
+            </a:r>
+          </a:p>
+          <a:p>
+            <a:pPr algn="l"/>
+            <a:r>
+              <a:rPr lang="en-US" sz="2100" b="1" dirty="0"/>
+              <a:t>	</a:t>
+            </a:r>
+            <a:r>
+              <a:rPr lang="en-US" sz="2100" dirty="0"/>
+              <a:t>3. TreeMap&lt;K, V&gt;</a:t>
+            </a:r>
+            <a:endParaRPr lang="en-US" sz="2100" b="1" dirty="0"/>
+          </a:p>
+        </p:txBody>
+      </p:sp>
+      <p:sp>
+        <p:nvSpPr>
+          <p:cNvPr id="4" name="Oval 3">
+            <a:extLst>
+              <a:ext uri="{FF2B5EF4-FFF2-40B4-BE49-F238E27FC236}">
+                <a16:creationId xmlns:a16="http://schemas.microsoft.com/office/drawing/2014/main" id="{DD751AB5-3743-7AE1-080A-CACA956A4CBC}"/>
+              </a:ext>
+            </a:extLst>
+          </p:cNvPr>
+          <p:cNvSpPr/>
+          <p:nvPr/>
+        </p:nvSpPr>
+        <p:spPr>
+          <a:xfrm>
+            <a:off x="7696410" y="3988900"/>
+            <a:ext cx="2938456" cy="576471"/>
+          </a:xfrm>
+          <a:prstGeom prst="ellipse">
+            <a:avLst/>
+          </a:prstGeom>
+        </p:spPr>
+        <p:style>
+          <a:lnRef idx="1">
+            <a:schemeClr val="accent1"/>
+          </a:lnRef>
+          <a:fillRef idx="2">
+            <a:schemeClr val="accent1"/>
+          </a:fillRef>
+          <a:effectRef idx="1">
+            <a:schemeClr val="accent1"/>
+          </a:effectRef>
+          <a:fontRef idx="minor">
+            <a:schemeClr val="dk1"/>
+          </a:fontRef>
+        </p:style>
+        <p:txBody>
+          <a:bodyPr rtlCol="0" anchor="ctr"/>
+          <a:lstStyle/>
+          <a:p>
+            <a:pPr algn="ctr"/>
+            <a:r>
+              <a:rPr lang="en-US" sz="2400" dirty="0">
+                <a:ln w="0"/>
+                <a:solidFill>
+                  <a:schemeClr val="tx1"/>
+                </a:solidFill>
+                <a:effectLst>
+                  <a:outerShdw blurRad="38100" dist="19050" dir="2700000" algn="tl" rotWithShape="0">
+                    <a:schemeClr val="dk1">
+                      <a:alpha val="40000"/>
+                    </a:schemeClr>
+                  </a:outerShdw>
+                </a:effectLst>
+              </a:rPr>
+              <a:t>SortedMap&lt;K, V&gt;</a:t>
+            </a:r>
+            <a:endParaRPr lang="en-IN" sz="2400" dirty="0"/>
+          </a:p>
+        </p:txBody>
+      </p:sp>
+      <p:sp>
+        <p:nvSpPr>
+          <p:cNvPr id="5" name="Oval 4">
+            <a:extLst>
+              <a:ext uri="{FF2B5EF4-FFF2-40B4-BE49-F238E27FC236}">
+                <a16:creationId xmlns:a16="http://schemas.microsoft.com/office/drawing/2014/main" id="{EED04FBE-359B-5DA6-56A7-9DE67A57ABA6}"/>
+              </a:ext>
+            </a:extLst>
+          </p:cNvPr>
+          <p:cNvSpPr/>
+          <p:nvPr/>
+        </p:nvSpPr>
+        <p:spPr>
+          <a:xfrm>
+            <a:off x="3011553" y="3988899"/>
+            <a:ext cx="2236304" cy="576471"/>
+          </a:xfrm>
+          <a:prstGeom prst="ellipse">
+            <a:avLst/>
+          </a:prstGeom>
+        </p:spPr>
+        <p:style>
+          <a:lnRef idx="1">
+            <a:schemeClr val="accent1"/>
+          </a:lnRef>
+          <a:fillRef idx="2">
+            <a:schemeClr val="accent1"/>
+          </a:fillRef>
+          <a:effectRef idx="1">
+            <a:schemeClr val="accent1"/>
+          </a:effectRef>
+          <a:fontRef idx="minor">
+            <a:schemeClr val="dk1"/>
+          </a:fontRef>
+        </p:style>
+        <p:txBody>
+          <a:bodyPr rtlCol="0" anchor="ctr"/>
+          <a:lstStyle/>
+          <a:p>
+            <a:pPr algn="ctr"/>
+            <a:r>
+              <a:rPr lang="en-US" sz="2400" dirty="0">
+                <a:ln w="0"/>
+                <a:solidFill>
+                  <a:schemeClr val="tx1"/>
+                </a:solidFill>
+                <a:effectLst>
+                  <a:outerShdw blurRad="38100" dist="19050" dir="2700000" algn="tl" rotWithShape="0">
+                    <a:schemeClr val="dk1">
+                      <a:alpha val="40000"/>
+                    </a:schemeClr>
+                  </a:outerShdw>
+                </a:effectLst>
+              </a:rPr>
+              <a:t>Map&lt;K, V&gt;</a:t>
+            </a:r>
+            <a:endParaRPr lang="en-IN" sz="2400" dirty="0"/>
+          </a:p>
+        </p:txBody>
+      </p:sp>
+      <p:sp>
+        <p:nvSpPr>
+          <p:cNvPr id="6" name="Rectangle: Rounded Corners 5">
+            <a:extLst>
+              <a:ext uri="{FF2B5EF4-FFF2-40B4-BE49-F238E27FC236}">
+                <a16:creationId xmlns:a16="http://schemas.microsoft.com/office/drawing/2014/main" id="{7F1FF977-5A7B-3446-B422-B5764C96D93F}"/>
+              </a:ext>
+            </a:extLst>
+          </p:cNvPr>
+          <p:cNvSpPr/>
+          <p:nvPr/>
+        </p:nvSpPr>
+        <p:spPr>
+          <a:xfrm>
+            <a:off x="1605166" y="5804453"/>
+            <a:ext cx="2037522" cy="487017"/>
+          </a:xfrm>
+          <a:prstGeom prst="roundRect">
+            <a:avLst/>
+          </a:prstGeom>
+        </p:spPr>
+        <p:style>
+          <a:lnRef idx="1">
+            <a:schemeClr val="accent6"/>
+          </a:lnRef>
+          <a:fillRef idx="3">
+            <a:schemeClr val="accent6"/>
+          </a:fillRef>
+          <a:effectRef idx="2">
+            <a:schemeClr val="accent6"/>
+          </a:effectRef>
+          <a:fontRef idx="minor">
+            <a:schemeClr val="lt1"/>
+          </a:fontRef>
+        </p:style>
+        <p:txBody>
+          <a:bodyPr rtlCol="0" anchor="ctr"/>
+          <a:lstStyle/>
+          <a:p>
+            <a:pPr algn="ctr"/>
+            <a:r>
+              <a:rPr lang="en-US" sz="2400" dirty="0">
+                <a:ln w="0"/>
+                <a:solidFill>
+                  <a:schemeClr val="tx1"/>
+                </a:solidFill>
+                <a:effectLst>
+                  <a:outerShdw blurRad="38100" dist="19050" dir="2700000" algn="tl" rotWithShape="0">
+                    <a:schemeClr val="dk1">
+                      <a:alpha val="40000"/>
+                    </a:schemeClr>
+                  </a:outerShdw>
+                </a:effectLst>
+              </a:rPr>
+              <a:t>HashMap&lt;K, V&gt;</a:t>
+            </a:r>
+            <a:endParaRPr lang="en-IN" sz="2400" dirty="0"/>
+          </a:p>
+        </p:txBody>
+      </p:sp>
+      <p:sp>
+        <p:nvSpPr>
+          <p:cNvPr id="7" name="Rectangle: Rounded Corners 6">
+            <a:extLst>
+              <a:ext uri="{FF2B5EF4-FFF2-40B4-BE49-F238E27FC236}">
+                <a16:creationId xmlns:a16="http://schemas.microsoft.com/office/drawing/2014/main" id="{AD79BFF6-5CE7-7512-98E6-546CC326C1F1}"/>
+              </a:ext>
+            </a:extLst>
+          </p:cNvPr>
+          <p:cNvSpPr/>
+          <p:nvPr/>
+        </p:nvSpPr>
+        <p:spPr>
+          <a:xfrm>
+            <a:off x="4388848" y="5804451"/>
+            <a:ext cx="2791341" cy="487017"/>
+          </a:xfrm>
+          <a:prstGeom prst="roundRect">
+            <a:avLst/>
+          </a:prstGeom>
+        </p:spPr>
+        <p:style>
+          <a:lnRef idx="1">
+            <a:schemeClr val="accent6"/>
+          </a:lnRef>
+          <a:fillRef idx="3">
+            <a:schemeClr val="accent6"/>
+          </a:fillRef>
+          <a:effectRef idx="2">
+            <a:schemeClr val="accent6"/>
+          </a:effectRef>
+          <a:fontRef idx="minor">
+            <a:schemeClr val="lt1"/>
+          </a:fontRef>
+        </p:style>
+        <p:txBody>
+          <a:bodyPr rtlCol="0" anchor="ctr"/>
+          <a:lstStyle/>
+          <a:p>
+            <a:pPr algn="ctr"/>
+            <a:r>
+              <a:rPr lang="en-US" sz="2400" dirty="0">
+                <a:ln w="0"/>
+                <a:solidFill>
+                  <a:schemeClr val="tx1"/>
+                </a:solidFill>
+                <a:effectLst>
+                  <a:outerShdw blurRad="38100" dist="19050" dir="2700000" algn="tl" rotWithShape="0">
+                    <a:schemeClr val="dk1">
+                      <a:alpha val="40000"/>
+                    </a:schemeClr>
+                  </a:outerShdw>
+                </a:effectLst>
+              </a:rPr>
+              <a:t>LinkedHashMap&lt;K, V&gt;</a:t>
+            </a:r>
+            <a:endParaRPr lang="en-IN" sz="2400" dirty="0"/>
+          </a:p>
+        </p:txBody>
+      </p:sp>
+      <p:sp>
+        <p:nvSpPr>
+          <p:cNvPr id="8" name="Rectangle: Rounded Corners 7">
+            <a:extLst>
+              <a:ext uri="{FF2B5EF4-FFF2-40B4-BE49-F238E27FC236}">
+                <a16:creationId xmlns:a16="http://schemas.microsoft.com/office/drawing/2014/main" id="{405B62AB-3E01-A265-0597-E8DEBB17D8C5}"/>
+              </a:ext>
+            </a:extLst>
+          </p:cNvPr>
+          <p:cNvSpPr/>
+          <p:nvPr/>
+        </p:nvSpPr>
+        <p:spPr>
+          <a:xfrm>
+            <a:off x="7931529" y="5804451"/>
+            <a:ext cx="2468214" cy="487017"/>
+          </a:xfrm>
+          <a:prstGeom prst="roundRect">
+            <a:avLst/>
+          </a:prstGeom>
+        </p:spPr>
+        <p:style>
+          <a:lnRef idx="1">
+            <a:schemeClr val="accent6"/>
+          </a:lnRef>
+          <a:fillRef idx="3">
+            <a:schemeClr val="accent6"/>
+          </a:fillRef>
+          <a:effectRef idx="2">
+            <a:schemeClr val="accent6"/>
+          </a:effectRef>
+          <a:fontRef idx="minor">
+            <a:schemeClr val="lt1"/>
+          </a:fontRef>
+        </p:style>
+        <p:txBody>
+          <a:bodyPr rtlCol="0" anchor="ctr"/>
+          <a:lstStyle/>
+          <a:p>
+            <a:pPr algn="ctr"/>
+            <a:r>
+              <a:rPr lang="en-US" sz="2400" dirty="0">
+                <a:ln w="0"/>
+                <a:solidFill>
+                  <a:schemeClr val="tx1"/>
+                </a:solidFill>
+                <a:effectLst>
+                  <a:outerShdw blurRad="38100" dist="19050" dir="2700000" algn="tl" rotWithShape="0">
+                    <a:schemeClr val="dk1">
+                      <a:alpha val="40000"/>
+                    </a:schemeClr>
+                  </a:outerShdw>
+                </a:effectLst>
+              </a:rPr>
+              <a:t>TreeMap&lt;K, V&gt;</a:t>
+            </a:r>
+            <a:endParaRPr lang="en-IN" sz="2400" dirty="0"/>
+          </a:p>
+        </p:txBody>
+      </p:sp>
+      <p:cxnSp>
+        <p:nvCxnSpPr>
+          <p:cNvPr id="9" name="Straight Arrow Connector 8">
+            <a:extLst>
+              <a:ext uri="{FF2B5EF4-FFF2-40B4-BE49-F238E27FC236}">
+                <a16:creationId xmlns:a16="http://schemas.microsoft.com/office/drawing/2014/main" id="{D711B012-DAF0-2D4B-55B1-24CE81193199}"/>
+              </a:ext>
+            </a:extLst>
+          </p:cNvPr>
+          <p:cNvCxnSpPr>
+            <a:cxnSpLocks/>
+            <a:stCxn id="8" idx="0"/>
+            <a:endCxn id="19" idx="4"/>
+          </p:cNvCxnSpPr>
+          <p:nvPr/>
+        </p:nvCxnSpPr>
+        <p:spPr>
+          <a:xfrm flipV="1">
+            <a:off x="9165636" y="5473146"/>
+            <a:ext cx="1" cy="331305"/>
+          </a:xfrm>
+          <a:prstGeom prst="straightConnector1">
+            <a:avLst/>
+          </a:prstGeom>
+          <a:ln w="38100">
+            <a:prstDash val="sysDot"/>
+            <a:tailEnd type="triangle"/>
+          </a:ln>
+        </p:spPr>
+        <p:style>
+          <a:lnRef idx="3">
+            <a:schemeClr val="dk1"/>
+          </a:lnRef>
+          <a:fillRef idx="0">
+            <a:schemeClr val="dk1"/>
+          </a:fillRef>
+          <a:effectRef idx="2">
+            <a:schemeClr val="dk1"/>
+          </a:effectRef>
+          <a:fontRef idx="minor">
+            <a:schemeClr val="tx1"/>
+          </a:fontRef>
+        </p:style>
+      </p:cxnSp>
+      <p:cxnSp>
+        <p:nvCxnSpPr>
+          <p:cNvPr id="10" name="Straight Arrow Connector 9">
+            <a:extLst>
+              <a:ext uri="{FF2B5EF4-FFF2-40B4-BE49-F238E27FC236}">
+                <a16:creationId xmlns:a16="http://schemas.microsoft.com/office/drawing/2014/main" id="{51BC70C0-9AD3-61F2-4FDD-06FCDCB6A760}"/>
+              </a:ext>
+            </a:extLst>
+          </p:cNvPr>
+          <p:cNvCxnSpPr>
+            <a:cxnSpLocks/>
+            <a:endCxn id="5" idx="4"/>
+          </p:cNvCxnSpPr>
+          <p:nvPr/>
+        </p:nvCxnSpPr>
+        <p:spPr>
+          <a:xfrm flipV="1">
+            <a:off x="4129705" y="4565370"/>
+            <a:ext cx="0" cy="619541"/>
+          </a:xfrm>
+          <a:prstGeom prst="straightConnector1">
+            <a:avLst/>
+          </a:prstGeom>
+          <a:ln w="38100">
+            <a:prstDash val="sysDot"/>
+            <a:tailEnd type="triangle"/>
+          </a:ln>
+        </p:spPr>
+        <p:style>
+          <a:lnRef idx="3">
+            <a:schemeClr val="dk1"/>
+          </a:lnRef>
+          <a:fillRef idx="0">
+            <a:schemeClr val="dk1"/>
+          </a:fillRef>
+          <a:effectRef idx="2">
+            <a:schemeClr val="dk1"/>
+          </a:effectRef>
+          <a:fontRef idx="minor">
+            <a:schemeClr val="tx1"/>
+          </a:fontRef>
+        </p:style>
+      </p:cxnSp>
+      <p:cxnSp>
+        <p:nvCxnSpPr>
+          <p:cNvPr id="11" name="Straight Connector 10">
+            <a:extLst>
+              <a:ext uri="{FF2B5EF4-FFF2-40B4-BE49-F238E27FC236}">
+                <a16:creationId xmlns:a16="http://schemas.microsoft.com/office/drawing/2014/main" id="{41AF3CB2-48F3-6D5E-3C99-77E061374ACB}"/>
+              </a:ext>
+            </a:extLst>
+          </p:cNvPr>
+          <p:cNvCxnSpPr>
+            <a:cxnSpLocks/>
+          </p:cNvCxnSpPr>
+          <p:nvPr/>
+        </p:nvCxnSpPr>
+        <p:spPr>
+          <a:xfrm>
+            <a:off x="2623927" y="5184911"/>
+            <a:ext cx="3140764" cy="0"/>
+          </a:xfrm>
+          <a:prstGeom prst="line">
+            <a:avLst/>
+          </a:prstGeom>
+          <a:ln w="38100">
+            <a:prstDash val="sysDot"/>
+          </a:ln>
+        </p:spPr>
+        <p:style>
+          <a:lnRef idx="3">
+            <a:schemeClr val="dk1"/>
+          </a:lnRef>
+          <a:fillRef idx="0">
+            <a:schemeClr val="dk1"/>
+          </a:fillRef>
+          <a:effectRef idx="2">
+            <a:schemeClr val="dk1"/>
+          </a:effectRef>
+          <a:fontRef idx="minor">
+            <a:schemeClr val="tx1"/>
+          </a:fontRef>
+        </p:style>
+      </p:cxnSp>
+      <p:cxnSp>
+        <p:nvCxnSpPr>
+          <p:cNvPr id="12" name="Straight Connector 11">
+            <a:extLst>
+              <a:ext uri="{FF2B5EF4-FFF2-40B4-BE49-F238E27FC236}">
+                <a16:creationId xmlns:a16="http://schemas.microsoft.com/office/drawing/2014/main" id="{5A6BBB89-11F4-C384-3A5F-51B856633FB4}"/>
+              </a:ext>
+            </a:extLst>
+          </p:cNvPr>
+          <p:cNvCxnSpPr>
+            <a:cxnSpLocks/>
+            <a:endCxn id="7" idx="0"/>
+          </p:cNvCxnSpPr>
+          <p:nvPr/>
+        </p:nvCxnSpPr>
+        <p:spPr>
+          <a:xfrm>
+            <a:off x="5784519" y="5184911"/>
+            <a:ext cx="0" cy="619540"/>
+          </a:xfrm>
+          <a:prstGeom prst="line">
+            <a:avLst/>
+          </a:prstGeom>
+          <a:ln w="38100">
+            <a:prstDash val="sysDot"/>
+          </a:ln>
+        </p:spPr>
+        <p:style>
+          <a:lnRef idx="3">
+            <a:schemeClr val="dk1"/>
+          </a:lnRef>
+          <a:fillRef idx="0">
+            <a:schemeClr val="dk1"/>
+          </a:fillRef>
+          <a:effectRef idx="2">
+            <a:schemeClr val="dk1"/>
+          </a:effectRef>
+          <a:fontRef idx="minor">
+            <a:schemeClr val="tx1"/>
+          </a:fontRef>
+        </p:style>
+      </p:cxnSp>
+      <p:cxnSp>
+        <p:nvCxnSpPr>
+          <p:cNvPr id="13" name="Straight Connector 12">
+            <a:extLst>
+              <a:ext uri="{FF2B5EF4-FFF2-40B4-BE49-F238E27FC236}">
+                <a16:creationId xmlns:a16="http://schemas.microsoft.com/office/drawing/2014/main" id="{607C18F4-F6BA-1B50-8843-A9BA869CDD42}"/>
+              </a:ext>
+            </a:extLst>
+          </p:cNvPr>
+          <p:cNvCxnSpPr>
+            <a:cxnSpLocks/>
+            <a:endCxn id="6" idx="0"/>
+          </p:cNvCxnSpPr>
+          <p:nvPr/>
+        </p:nvCxnSpPr>
+        <p:spPr>
+          <a:xfrm>
+            <a:off x="2623927" y="5184911"/>
+            <a:ext cx="0" cy="619542"/>
+          </a:xfrm>
+          <a:prstGeom prst="line">
+            <a:avLst/>
+          </a:prstGeom>
+          <a:ln w="38100">
+            <a:prstDash val="sysDot"/>
+          </a:ln>
+        </p:spPr>
+        <p:style>
+          <a:lnRef idx="3">
+            <a:schemeClr val="dk1"/>
+          </a:lnRef>
+          <a:fillRef idx="0">
+            <a:schemeClr val="dk1"/>
+          </a:fillRef>
+          <a:effectRef idx="2">
+            <a:schemeClr val="dk1"/>
+          </a:effectRef>
+          <a:fontRef idx="minor">
+            <a:schemeClr val="tx1"/>
+          </a:fontRef>
+        </p:style>
+      </p:cxnSp>
+      <p:sp>
+        <p:nvSpPr>
+          <p:cNvPr id="14" name="TextBox 13">
+            <a:extLst>
+              <a:ext uri="{FF2B5EF4-FFF2-40B4-BE49-F238E27FC236}">
+                <a16:creationId xmlns:a16="http://schemas.microsoft.com/office/drawing/2014/main" id="{223CCBF3-7715-02B1-49F7-32F76449BB08}"/>
+              </a:ext>
+            </a:extLst>
+          </p:cNvPr>
+          <p:cNvSpPr txBox="1"/>
+          <p:nvPr/>
+        </p:nvSpPr>
+        <p:spPr>
+          <a:xfrm>
+            <a:off x="1325686" y="5435119"/>
+            <a:ext cx="1298241" cy="369332"/>
+          </a:xfrm>
+          <a:prstGeom prst="rect">
+            <a:avLst/>
+          </a:prstGeom>
+          <a:noFill/>
+        </p:spPr>
+        <p:txBody>
+          <a:bodyPr wrap="none" rtlCol="0">
+            <a:spAutoFit/>
+          </a:bodyPr>
+          <a:lstStyle/>
+          <a:p>
+            <a:r>
+              <a:rPr lang="en-US" dirty="0"/>
+              <a:t>implements</a:t>
+            </a:r>
+            <a:endParaRPr lang="en-IN" dirty="0"/>
+          </a:p>
+        </p:txBody>
+      </p:sp>
+      <p:sp>
+        <p:nvSpPr>
+          <p:cNvPr id="15" name="TextBox 14">
+            <a:extLst>
+              <a:ext uri="{FF2B5EF4-FFF2-40B4-BE49-F238E27FC236}">
+                <a16:creationId xmlns:a16="http://schemas.microsoft.com/office/drawing/2014/main" id="{C06F8197-1308-5506-E287-15DAC7F68F53}"/>
+              </a:ext>
+            </a:extLst>
+          </p:cNvPr>
+          <p:cNvSpPr txBox="1"/>
+          <p:nvPr/>
+        </p:nvSpPr>
+        <p:spPr>
+          <a:xfrm>
+            <a:off x="4470181" y="5435118"/>
+            <a:ext cx="1298241" cy="369332"/>
+          </a:xfrm>
+          <a:prstGeom prst="rect">
+            <a:avLst/>
+          </a:prstGeom>
+          <a:noFill/>
+        </p:spPr>
+        <p:txBody>
+          <a:bodyPr wrap="none" rtlCol="0">
+            <a:spAutoFit/>
+          </a:bodyPr>
+          <a:lstStyle/>
+          <a:p>
+            <a:r>
+              <a:rPr lang="en-US" dirty="0"/>
+              <a:t>implements</a:t>
+            </a:r>
+            <a:endParaRPr lang="en-IN" dirty="0"/>
+          </a:p>
+        </p:txBody>
+      </p:sp>
+      <p:sp>
+        <p:nvSpPr>
+          <p:cNvPr id="16" name="TextBox 15">
+            <a:extLst>
+              <a:ext uri="{FF2B5EF4-FFF2-40B4-BE49-F238E27FC236}">
+                <a16:creationId xmlns:a16="http://schemas.microsoft.com/office/drawing/2014/main" id="{77870978-5AA5-8F75-521F-518FF0F15735}"/>
+              </a:ext>
+            </a:extLst>
+          </p:cNvPr>
+          <p:cNvSpPr txBox="1"/>
+          <p:nvPr/>
+        </p:nvSpPr>
+        <p:spPr>
+          <a:xfrm>
+            <a:off x="7827741" y="5473146"/>
+            <a:ext cx="1298241" cy="369332"/>
+          </a:xfrm>
+          <a:prstGeom prst="rect">
+            <a:avLst/>
+          </a:prstGeom>
+          <a:noFill/>
+        </p:spPr>
+        <p:txBody>
+          <a:bodyPr wrap="none" rtlCol="0">
+            <a:spAutoFit/>
+          </a:bodyPr>
+          <a:lstStyle/>
+          <a:p>
+            <a:r>
+              <a:rPr lang="en-US" dirty="0"/>
+              <a:t>implements</a:t>
+            </a:r>
+            <a:endParaRPr lang="en-IN" dirty="0"/>
+          </a:p>
+        </p:txBody>
+      </p:sp>
+      <p:cxnSp>
+        <p:nvCxnSpPr>
+          <p:cNvPr id="17" name="Straight Arrow Connector 16">
+            <a:extLst>
+              <a:ext uri="{FF2B5EF4-FFF2-40B4-BE49-F238E27FC236}">
+                <a16:creationId xmlns:a16="http://schemas.microsoft.com/office/drawing/2014/main" id="{3FE7D19F-1DFB-AFC8-7DC0-6FCCA5AFFACE}"/>
+              </a:ext>
+            </a:extLst>
+          </p:cNvPr>
+          <p:cNvCxnSpPr>
+            <a:cxnSpLocks/>
+            <a:stCxn id="4" idx="2"/>
+            <a:endCxn id="5" idx="6"/>
+          </p:cNvCxnSpPr>
+          <p:nvPr/>
+        </p:nvCxnSpPr>
+        <p:spPr>
+          <a:xfrm flipH="1" flipV="1">
+            <a:off x="5247857" y="4277135"/>
+            <a:ext cx="2448553" cy="1"/>
+          </a:xfrm>
+          <a:prstGeom prst="straightConnector1">
+            <a:avLst/>
+          </a:prstGeom>
+          <a:ln w="38100">
+            <a:tailEnd type="triangle"/>
+          </a:ln>
+        </p:spPr>
+        <p:style>
+          <a:lnRef idx="3">
+            <a:schemeClr val="dk1"/>
+          </a:lnRef>
+          <a:fillRef idx="0">
+            <a:schemeClr val="dk1"/>
+          </a:fillRef>
+          <a:effectRef idx="2">
+            <a:schemeClr val="dk1"/>
+          </a:effectRef>
+          <a:fontRef idx="minor">
+            <a:schemeClr val="tx1"/>
+          </a:fontRef>
+        </p:style>
+      </p:cxnSp>
+      <p:sp>
+        <p:nvSpPr>
+          <p:cNvPr id="18" name="TextBox 17">
+            <a:extLst>
+              <a:ext uri="{FF2B5EF4-FFF2-40B4-BE49-F238E27FC236}">
+                <a16:creationId xmlns:a16="http://schemas.microsoft.com/office/drawing/2014/main" id="{414DC1F0-E574-60F5-DD78-DC52BB2455B2}"/>
+              </a:ext>
+            </a:extLst>
+          </p:cNvPr>
+          <p:cNvSpPr txBox="1"/>
+          <p:nvPr/>
+        </p:nvSpPr>
+        <p:spPr>
+          <a:xfrm>
+            <a:off x="6184312" y="4277134"/>
+            <a:ext cx="919995" cy="369332"/>
+          </a:xfrm>
+          <a:prstGeom prst="rect">
+            <a:avLst/>
+          </a:prstGeom>
+          <a:noFill/>
+        </p:spPr>
+        <p:txBody>
+          <a:bodyPr wrap="none" rtlCol="0">
+            <a:spAutoFit/>
+          </a:bodyPr>
+          <a:lstStyle/>
+          <a:p>
+            <a:r>
+              <a:rPr lang="en-US" dirty="0"/>
+              <a:t>extends</a:t>
+            </a:r>
+            <a:endParaRPr lang="en-IN" dirty="0"/>
+          </a:p>
+        </p:txBody>
+      </p:sp>
+      <p:sp>
+        <p:nvSpPr>
+          <p:cNvPr id="19" name="Oval 18">
+            <a:extLst>
+              <a:ext uri="{FF2B5EF4-FFF2-40B4-BE49-F238E27FC236}">
+                <a16:creationId xmlns:a16="http://schemas.microsoft.com/office/drawing/2014/main" id="{DC65EEBC-236F-B9D5-43C7-7A49FACA14D8}"/>
+              </a:ext>
+            </a:extLst>
+          </p:cNvPr>
+          <p:cNvSpPr/>
+          <p:nvPr/>
+        </p:nvSpPr>
+        <p:spPr>
+          <a:xfrm>
+            <a:off x="7418323" y="4896675"/>
+            <a:ext cx="3494627" cy="576471"/>
+          </a:xfrm>
+          <a:prstGeom prst="ellipse">
+            <a:avLst/>
+          </a:prstGeom>
+        </p:spPr>
+        <p:style>
+          <a:lnRef idx="1">
+            <a:schemeClr val="accent1"/>
+          </a:lnRef>
+          <a:fillRef idx="2">
+            <a:schemeClr val="accent1"/>
+          </a:fillRef>
+          <a:effectRef idx="1">
+            <a:schemeClr val="accent1"/>
+          </a:effectRef>
+          <a:fontRef idx="minor">
+            <a:schemeClr val="dk1"/>
+          </a:fontRef>
+        </p:style>
+        <p:txBody>
+          <a:bodyPr rtlCol="0" anchor="ctr"/>
+          <a:lstStyle/>
+          <a:p>
+            <a:pPr algn="ctr"/>
+            <a:r>
+              <a:rPr lang="en-US" sz="2400" dirty="0">
+                <a:ln w="0"/>
+                <a:solidFill>
+                  <a:schemeClr val="tx1"/>
+                </a:solidFill>
+                <a:effectLst>
+                  <a:outerShdw blurRad="38100" dist="19050" dir="2700000" algn="tl" rotWithShape="0">
+                    <a:schemeClr val="dk1">
+                      <a:alpha val="40000"/>
+                    </a:schemeClr>
+                  </a:outerShdw>
+                </a:effectLst>
+              </a:rPr>
+              <a:t>NavigableMap&lt;K, V&gt;</a:t>
+            </a:r>
+            <a:endParaRPr lang="en-IN" sz="2400" dirty="0"/>
+          </a:p>
+        </p:txBody>
+      </p:sp>
+      <p:cxnSp>
+        <p:nvCxnSpPr>
+          <p:cNvPr id="20" name="Straight Arrow Connector 19">
+            <a:extLst>
+              <a:ext uri="{FF2B5EF4-FFF2-40B4-BE49-F238E27FC236}">
+                <a16:creationId xmlns:a16="http://schemas.microsoft.com/office/drawing/2014/main" id="{FE86D318-6F8D-C067-1686-EA68E10E25FB}"/>
+              </a:ext>
+            </a:extLst>
+          </p:cNvPr>
+          <p:cNvCxnSpPr>
+            <a:cxnSpLocks/>
+            <a:stCxn id="19" idx="0"/>
+            <a:endCxn id="4" idx="4"/>
+          </p:cNvCxnSpPr>
+          <p:nvPr/>
+        </p:nvCxnSpPr>
+        <p:spPr>
+          <a:xfrm flipV="1">
+            <a:off x="9165637" y="4565371"/>
+            <a:ext cx="1" cy="331304"/>
+          </a:xfrm>
+          <a:prstGeom prst="straightConnector1">
+            <a:avLst/>
+          </a:prstGeom>
+          <a:ln w="38100">
+            <a:tailEnd type="triangle"/>
+          </a:ln>
+        </p:spPr>
+        <p:style>
+          <a:lnRef idx="3">
+            <a:schemeClr val="dk1"/>
+          </a:lnRef>
+          <a:fillRef idx="0">
+            <a:schemeClr val="dk1"/>
+          </a:fillRef>
+          <a:effectRef idx="2">
+            <a:schemeClr val="dk1"/>
+          </a:effectRef>
+          <a:fontRef idx="minor">
+            <a:schemeClr val="tx1"/>
+          </a:fontRef>
+        </p:style>
+      </p:cxnSp>
+      <p:sp>
+        <p:nvSpPr>
+          <p:cNvPr id="21" name="TextBox 20">
+            <a:extLst>
+              <a:ext uri="{FF2B5EF4-FFF2-40B4-BE49-F238E27FC236}">
+                <a16:creationId xmlns:a16="http://schemas.microsoft.com/office/drawing/2014/main" id="{53A6BF14-379D-2652-1A49-4FC16BEA75A4}"/>
+              </a:ext>
+            </a:extLst>
+          </p:cNvPr>
+          <p:cNvSpPr txBox="1"/>
+          <p:nvPr/>
+        </p:nvSpPr>
+        <p:spPr>
+          <a:xfrm>
+            <a:off x="8195561" y="4565370"/>
+            <a:ext cx="919995" cy="369332"/>
+          </a:xfrm>
+          <a:prstGeom prst="rect">
+            <a:avLst/>
+          </a:prstGeom>
+          <a:noFill/>
+        </p:spPr>
+        <p:txBody>
+          <a:bodyPr wrap="none" rtlCol="0">
+            <a:spAutoFit/>
+          </a:bodyPr>
+          <a:lstStyle/>
+          <a:p>
+            <a:r>
+              <a:rPr lang="en-US" dirty="0"/>
+              <a:t>extends</a:t>
+            </a:r>
+            <a:endParaRPr lang="en-IN" dirty="0"/>
+          </a:p>
+        </p:txBody>
+      </p:sp>
+      <p:sp>
+        <p:nvSpPr>
+          <p:cNvPr id="30" name="Rectangle: Rounded Corners 29">
+            <a:extLst>
+              <a:ext uri="{FF2B5EF4-FFF2-40B4-BE49-F238E27FC236}">
+                <a16:creationId xmlns:a16="http://schemas.microsoft.com/office/drawing/2014/main" id="{AD0537F2-E2B9-522D-40D8-3BB7E6E89DED}"/>
+              </a:ext>
+            </a:extLst>
+          </p:cNvPr>
+          <p:cNvSpPr/>
+          <p:nvPr/>
+        </p:nvSpPr>
+        <p:spPr>
+          <a:xfrm>
+            <a:off x="381928" y="4033625"/>
+            <a:ext cx="2037522" cy="487017"/>
+          </a:xfrm>
+          <a:prstGeom prst="roundRect">
+            <a:avLst/>
+          </a:prstGeom>
+          <a:solidFill>
+            <a:schemeClr val="accent2">
+              <a:lumMod val="60000"/>
+              <a:lumOff val="40000"/>
+            </a:schemeClr>
+          </a:solidFill>
+        </p:spPr>
+        <p:style>
+          <a:lnRef idx="1">
+            <a:schemeClr val="accent6"/>
+          </a:lnRef>
+          <a:fillRef idx="3">
+            <a:schemeClr val="accent6"/>
+          </a:fillRef>
+          <a:effectRef idx="2">
+            <a:schemeClr val="accent6"/>
+          </a:effectRef>
+          <a:fontRef idx="minor">
+            <a:schemeClr val="lt1"/>
+          </a:fontRef>
+        </p:style>
+        <p:txBody>
+          <a:bodyPr rtlCol="0" anchor="ctr"/>
+          <a:lstStyle/>
+          <a:p>
+            <a:pPr algn="ctr"/>
+            <a:r>
+              <a:rPr lang="en-US" sz="2400" dirty="0">
+                <a:ln w="0"/>
+                <a:solidFill>
+                  <a:schemeClr val="tx1"/>
+                </a:solidFill>
+                <a:effectLst>
+                  <a:outerShdw blurRad="38100" dist="19050" dir="2700000" algn="tl" rotWithShape="0">
+                    <a:schemeClr val="dk1">
+                      <a:alpha val="40000"/>
+                    </a:schemeClr>
+                  </a:outerShdw>
+                </a:effectLst>
+              </a:rPr>
+              <a:t>HashTable&lt;K,V&gt;</a:t>
+            </a:r>
+            <a:endParaRPr lang="en-IN" sz="2400" dirty="0"/>
+          </a:p>
+        </p:txBody>
+      </p:sp>
+      <p:cxnSp>
+        <p:nvCxnSpPr>
+          <p:cNvPr id="31" name="Straight Arrow Connector 30">
+            <a:extLst>
+              <a:ext uri="{FF2B5EF4-FFF2-40B4-BE49-F238E27FC236}">
+                <a16:creationId xmlns:a16="http://schemas.microsoft.com/office/drawing/2014/main" id="{F406BC08-2725-E744-FAF4-E637B1E9B981}"/>
+              </a:ext>
+            </a:extLst>
+          </p:cNvPr>
+          <p:cNvCxnSpPr>
+            <a:cxnSpLocks/>
+            <a:stCxn id="30" idx="3"/>
+            <a:endCxn id="5" idx="2"/>
+          </p:cNvCxnSpPr>
+          <p:nvPr/>
+        </p:nvCxnSpPr>
+        <p:spPr>
+          <a:xfrm>
+            <a:off x="2419450" y="4277134"/>
+            <a:ext cx="592103" cy="1"/>
+          </a:xfrm>
+          <a:prstGeom prst="straightConnector1">
+            <a:avLst/>
+          </a:prstGeom>
+          <a:ln w="38100">
+            <a:tailEnd type="triangle"/>
+          </a:ln>
+        </p:spPr>
+        <p:style>
+          <a:lnRef idx="3">
+            <a:schemeClr val="dk1"/>
+          </a:lnRef>
+          <a:fillRef idx="0">
+            <a:schemeClr val="dk1"/>
+          </a:fillRef>
+          <a:effectRef idx="2">
+            <a:schemeClr val="dk1"/>
+          </a:effectRef>
+          <a:fontRef idx="minor">
+            <a:schemeClr val="tx1"/>
+          </a:fontRef>
+        </p:style>
+      </p:cxnSp>
+      <p:sp>
+        <p:nvSpPr>
+          <p:cNvPr id="34" name="TextBox 33">
+            <a:extLst>
+              <a:ext uri="{FF2B5EF4-FFF2-40B4-BE49-F238E27FC236}">
+                <a16:creationId xmlns:a16="http://schemas.microsoft.com/office/drawing/2014/main" id="{CA2C7B7C-9CD5-05CB-C73E-66716EC94D0A}"/>
+              </a:ext>
+            </a:extLst>
+          </p:cNvPr>
+          <p:cNvSpPr txBox="1"/>
+          <p:nvPr/>
+        </p:nvSpPr>
+        <p:spPr>
+          <a:xfrm>
+            <a:off x="2332311" y="4320202"/>
+            <a:ext cx="919995" cy="369332"/>
+          </a:xfrm>
+          <a:prstGeom prst="rect">
+            <a:avLst/>
+          </a:prstGeom>
+          <a:noFill/>
+        </p:spPr>
+        <p:txBody>
+          <a:bodyPr wrap="none" rtlCol="0">
+            <a:spAutoFit/>
+          </a:bodyPr>
+          <a:lstStyle/>
+          <a:p>
+            <a:r>
+              <a:rPr lang="en-US" dirty="0"/>
+              <a:t>extends</a:t>
+            </a:r>
+            <a:endParaRPr lang="en-IN" dirty="0"/>
+          </a:p>
+        </p:txBody>
+      </p:sp>
+    </p:spTree>
+    <p:extLst>
+      <p:ext uri="{BB962C8B-B14F-4D97-AF65-F5344CB8AC3E}">
+        <p14:creationId xmlns:p14="http://schemas.microsoft.com/office/powerpoint/2010/main" val="729162544"/>
+      </p:ext>
+    </p:extLst>
+  </p:cSld>
+  <p:clrMapOvr>
+    <a:masterClrMapping/>
+  </p:clrMapOvr>
+</p:sld>
+</file>
+
+<file path=ppt/slides/slide14.xml><?xml version="1.0" encoding="utf-8"?>
+<p:sld xmlns:a="http://schemas.openxmlformats.org/drawingml/2006/main" xmlns:r="http://schemas.openxmlformats.org/officeDocument/2006/relationships" xmlns:p="http://schemas.openxmlformats.org/presentationml/2006/main">
+  <p:cSld>
+    <p:spTree>
+      <p:nvGrpSpPr>
+        <p:cNvPr id="1" name=""/>
+        <p:cNvGrpSpPr/>
+        <p:nvPr/>
+      </p:nvGrpSpPr>
+      <p:grpSpPr>
+        <a:xfrm>
+          <a:off x="0" y="0"/>
+          <a:ext cx="0" cy="0"/>
+          <a:chOff x="0" y="0"/>
+          <a:chExt cx="0" cy="0"/>
+        </a:xfrm>
+      </p:grpSpPr>
+      <p:sp>
+        <p:nvSpPr>
+          <p:cNvPr id="2" name="Content Placeholder 2">
+            <a:extLst>
+              <a:ext uri="{FF2B5EF4-FFF2-40B4-BE49-F238E27FC236}">
+                <a16:creationId xmlns:a16="http://schemas.microsoft.com/office/drawing/2014/main" id="{53955F77-230B-4AB9-24CD-8829997C9F36}"/>
+              </a:ext>
+            </a:extLst>
+          </p:cNvPr>
+          <p:cNvSpPr txBox="1">
+            <a:spLocks/>
+          </p:cNvSpPr>
+          <p:nvPr/>
+        </p:nvSpPr>
+        <p:spPr>
+          <a:xfrm>
+            <a:off x="69444" y="183874"/>
+            <a:ext cx="12053109" cy="6490251"/>
+          </a:xfrm>
+          <a:prstGeom prst="rect">
+            <a:avLst/>
+          </a:prstGeom>
+        </p:spPr>
+        <p:txBody>
+          <a:bodyPr vert="horz" lIns="91440" tIns="45720" rIns="91440" bIns="45720" rtlCol="0">
+            <a:normAutofit lnSpcReduction="10000"/>
+          </a:bodyPr>
+          <a:lstStyle>
+            <a:lvl1pPr marL="0" indent="0" algn="ctr" defTabSz="914400" rtl="0" eaLnBrk="1" latinLnBrk="0" hangingPunct="1">
+              <a:lnSpc>
+                <a:spcPct val="90000"/>
+              </a:lnSpc>
+              <a:spcBef>
+                <a:spcPts val="1000"/>
+              </a:spcBef>
+              <a:buFont typeface="Arial" panose="020B0604020202020204" pitchFamily="34" charset="0"/>
+              <a:buNone/>
+              <a:defRPr sz="2400" kern="1200">
+                <a:solidFill>
+                  <a:schemeClr val="tx1"/>
+                </a:solidFill>
+                <a:latin typeface="+mn-lt"/>
+                <a:ea typeface="+mn-ea"/>
+                <a:cs typeface="+mn-cs"/>
+              </a:defRPr>
+            </a:lvl1pPr>
+            <a:lvl2pPr marL="457200" indent="0" algn="ctr" defTabSz="914400" rtl="0" eaLnBrk="1" latinLnBrk="0" hangingPunct="1">
+              <a:lnSpc>
+                <a:spcPct val="90000"/>
+              </a:lnSpc>
+              <a:spcBef>
+                <a:spcPts val="500"/>
+              </a:spcBef>
+              <a:buFont typeface="Arial" panose="020B0604020202020204" pitchFamily="34" charset="0"/>
+              <a:buNone/>
+              <a:defRPr sz="2000" kern="1200">
+                <a:solidFill>
+                  <a:schemeClr val="tx1"/>
+                </a:solidFill>
+                <a:latin typeface="+mn-lt"/>
+                <a:ea typeface="+mn-ea"/>
+                <a:cs typeface="+mn-cs"/>
+              </a:defRPr>
+            </a:lvl2pPr>
+            <a:lvl3pPr marL="914400" indent="0" algn="ctr" defTabSz="914400" rtl="0" eaLnBrk="1" latinLnBrk="0" hangingPunct="1">
+              <a:lnSpc>
+                <a:spcPct val="90000"/>
+              </a:lnSpc>
+              <a:spcBef>
+                <a:spcPts val="500"/>
+              </a:spcBef>
+              <a:buFont typeface="Arial" panose="020B0604020202020204" pitchFamily="34" charset="0"/>
+              <a:buNone/>
+              <a:defRPr sz="1800" kern="1200">
+                <a:solidFill>
+                  <a:schemeClr val="tx1"/>
+                </a:solidFill>
+                <a:latin typeface="+mn-lt"/>
+                <a:ea typeface="+mn-ea"/>
+                <a:cs typeface="+mn-cs"/>
+              </a:defRPr>
+            </a:lvl3pPr>
+            <a:lvl4pPr marL="1371600" indent="0" algn="ctr" defTabSz="914400" rtl="0" eaLnBrk="1" latinLnBrk="0" hangingPunct="1">
+              <a:lnSpc>
+                <a:spcPct val="90000"/>
+              </a:lnSpc>
+              <a:spcBef>
+                <a:spcPts val="500"/>
+              </a:spcBef>
+              <a:buFont typeface="Arial" panose="020B0604020202020204" pitchFamily="34" charset="0"/>
+              <a:buNone/>
+              <a:defRPr sz="1600" kern="1200">
+                <a:solidFill>
+                  <a:schemeClr val="tx1"/>
+                </a:solidFill>
+                <a:latin typeface="+mn-lt"/>
+                <a:ea typeface="+mn-ea"/>
+                <a:cs typeface="+mn-cs"/>
+              </a:defRPr>
+            </a:lvl4pPr>
+            <a:lvl5pPr marL="1828800" indent="0" algn="ctr" defTabSz="914400" rtl="0" eaLnBrk="1" latinLnBrk="0" hangingPunct="1">
+              <a:lnSpc>
+                <a:spcPct val="90000"/>
+              </a:lnSpc>
+              <a:spcBef>
+                <a:spcPts val="500"/>
+              </a:spcBef>
+              <a:buFont typeface="Arial" panose="020B0604020202020204" pitchFamily="34" charset="0"/>
+              <a:buNone/>
+              <a:defRPr sz="1600" kern="1200">
+                <a:solidFill>
+                  <a:schemeClr val="tx1"/>
+                </a:solidFill>
+                <a:latin typeface="+mn-lt"/>
+                <a:ea typeface="+mn-ea"/>
+                <a:cs typeface="+mn-cs"/>
+              </a:defRPr>
+            </a:lvl5pPr>
+            <a:lvl6pPr marL="2286000" indent="0" algn="ctr" defTabSz="914400" rtl="0" eaLnBrk="1" latinLnBrk="0" hangingPunct="1">
+              <a:lnSpc>
+                <a:spcPct val="90000"/>
+              </a:lnSpc>
+              <a:spcBef>
+                <a:spcPts val="500"/>
+              </a:spcBef>
+              <a:buFont typeface="Arial" panose="020B0604020202020204" pitchFamily="34" charset="0"/>
+              <a:buNone/>
+              <a:defRPr sz="1600" kern="1200">
+                <a:solidFill>
+                  <a:schemeClr val="tx1"/>
+                </a:solidFill>
+                <a:latin typeface="+mn-lt"/>
+                <a:ea typeface="+mn-ea"/>
+                <a:cs typeface="+mn-cs"/>
+              </a:defRPr>
+            </a:lvl6pPr>
+            <a:lvl7pPr marL="2743200" indent="0" algn="ctr" defTabSz="914400" rtl="0" eaLnBrk="1" latinLnBrk="0" hangingPunct="1">
+              <a:lnSpc>
+                <a:spcPct val="90000"/>
+              </a:lnSpc>
+              <a:spcBef>
+                <a:spcPts val="500"/>
+              </a:spcBef>
+              <a:buFont typeface="Arial" panose="020B0604020202020204" pitchFamily="34" charset="0"/>
+              <a:buNone/>
+              <a:defRPr sz="1600" kern="1200">
+                <a:solidFill>
+                  <a:schemeClr val="tx1"/>
+                </a:solidFill>
+                <a:latin typeface="+mn-lt"/>
+                <a:ea typeface="+mn-ea"/>
+                <a:cs typeface="+mn-cs"/>
+              </a:defRPr>
+            </a:lvl7pPr>
+            <a:lvl8pPr marL="3200400" indent="0" algn="ctr" defTabSz="914400" rtl="0" eaLnBrk="1" latinLnBrk="0" hangingPunct="1">
+              <a:lnSpc>
+                <a:spcPct val="90000"/>
+              </a:lnSpc>
+              <a:spcBef>
+                <a:spcPts val="500"/>
+              </a:spcBef>
+              <a:buFont typeface="Arial" panose="020B0604020202020204" pitchFamily="34" charset="0"/>
+              <a:buNone/>
+              <a:defRPr sz="1600" kern="1200">
+                <a:solidFill>
+                  <a:schemeClr val="tx1"/>
+                </a:solidFill>
+                <a:latin typeface="+mn-lt"/>
+                <a:ea typeface="+mn-ea"/>
+                <a:cs typeface="+mn-cs"/>
+              </a:defRPr>
+            </a:lvl8pPr>
+            <a:lvl9pPr marL="3657600" indent="0" algn="ctr" defTabSz="914400" rtl="0" eaLnBrk="1" latinLnBrk="0" hangingPunct="1">
+              <a:lnSpc>
+                <a:spcPct val="90000"/>
+              </a:lnSpc>
+              <a:spcBef>
+                <a:spcPts val="500"/>
+              </a:spcBef>
+              <a:buFont typeface="Arial" panose="020B0604020202020204" pitchFamily="34" charset="0"/>
+              <a:buNone/>
+              <a:defRPr sz="1600" kern="1200">
+                <a:solidFill>
+                  <a:schemeClr val="tx1"/>
+                </a:solidFill>
+                <a:latin typeface="+mn-lt"/>
+                <a:ea typeface="+mn-ea"/>
+                <a:cs typeface="+mn-cs"/>
+              </a:defRPr>
+            </a:lvl9pPr>
+          </a:lstStyle>
+          <a:p>
+            <a:pPr marL="342900" indent="-342900" algn="l">
+              <a:buAutoNum type="arabicPeriod"/>
+            </a:pPr>
+            <a:r>
+              <a:rPr lang="en-US" sz="1800" b="1" dirty="0"/>
+              <a:t>HashMap&lt;K, V&gt;:</a:t>
+            </a:r>
+          </a:p>
+          <a:p>
+            <a:pPr marL="285750" indent="-285750" algn="l">
+              <a:buFont typeface="Wingdings" panose="05000000000000000000" pitchFamily="2" charset="2"/>
+              <a:buChar char="ü"/>
+            </a:pPr>
+            <a:r>
+              <a:rPr lang="en-US" sz="1800" dirty="0"/>
+              <a:t>HashMap&lt;K, V&gt; provides the storage and retrieval of data using key-value pairs.</a:t>
+            </a:r>
+          </a:p>
+          <a:p>
+            <a:pPr marL="285750" indent="-285750" algn="l">
+              <a:buFont typeface="Wingdings" panose="05000000000000000000" pitchFamily="2" charset="2"/>
+              <a:buChar char="ü"/>
+            </a:pPr>
+            <a:r>
+              <a:rPr lang="en-US" sz="1800" dirty="0"/>
+              <a:t>HashMap&lt;K, V&gt; use a hash function to compute an index into an array where the values are stored, making retrieval swift even for large datasets.</a:t>
+            </a:r>
+          </a:p>
+          <a:p>
+            <a:pPr marL="285750" indent="-285750" algn="l">
+              <a:buFont typeface="Wingdings" panose="05000000000000000000" pitchFamily="2" charset="2"/>
+              <a:buChar char="ü"/>
+            </a:pPr>
+            <a:r>
+              <a:rPr lang="en-US" sz="1800" dirty="0"/>
+              <a:t>HashMap&lt;K, V&gt; do not allow duplicate keys and permit one null key along with multiple null values. And doesn’t guarantee order of the elements.</a:t>
+            </a:r>
+          </a:p>
+          <a:p>
+            <a:pPr marL="342900" indent="-342900" algn="l">
+              <a:buAutoNum type="arabicPeriod" startAt="2"/>
+            </a:pPr>
+            <a:r>
+              <a:rPr lang="en-US" sz="1800" b="1" dirty="0"/>
+              <a:t>HashTable&lt;K, V&gt;:</a:t>
+            </a:r>
+          </a:p>
+          <a:p>
+            <a:pPr marL="285750" indent="-285750" algn="l">
+              <a:buFont typeface="Wingdings" panose="05000000000000000000" pitchFamily="2" charset="2"/>
+              <a:buChar char="ü"/>
+            </a:pPr>
+            <a:r>
+              <a:rPr lang="en-US" sz="1800" dirty="0"/>
+              <a:t>Unlike HashMap&lt;K, V&gt;, HashTable&lt;K, V&gt; is a synchronized collection, which means it is </a:t>
+            </a:r>
+            <a:r>
+              <a:rPr lang="en-US" sz="1800" b="1" dirty="0"/>
+              <a:t>thread-safe</a:t>
+            </a:r>
+            <a:r>
+              <a:rPr lang="en-US" sz="1800" dirty="0"/>
+              <a:t> and can be used in multi-threaded applications without the need for external synchronization.</a:t>
+            </a:r>
+          </a:p>
+          <a:p>
+            <a:pPr marL="285750" indent="-285750" algn="l">
+              <a:buFont typeface="Wingdings" panose="05000000000000000000" pitchFamily="2" charset="2"/>
+              <a:buChar char="ü"/>
+            </a:pPr>
+            <a:r>
+              <a:rPr lang="en-US" sz="1800" dirty="0"/>
+              <a:t>This is a legacy class and recommended to use HashMap&lt;K, V&gt;</a:t>
+            </a:r>
+          </a:p>
+          <a:p>
+            <a:pPr marL="285750" indent="-285750" algn="l">
+              <a:buFont typeface="Wingdings" panose="05000000000000000000" pitchFamily="2" charset="2"/>
+              <a:buChar char="ü"/>
+            </a:pPr>
+            <a:r>
+              <a:rPr lang="en-US" sz="1800" dirty="0"/>
+              <a:t>And HashTable&lt;K, V&gt; doesn’t allow null keys or values. And doesn’t guarantee order of the elements.</a:t>
+            </a:r>
+          </a:p>
+          <a:p>
+            <a:pPr algn="l"/>
+            <a:r>
+              <a:rPr lang="en-US" sz="1800" b="1" dirty="0"/>
+              <a:t>3.   LinkedHashMap&lt;K, V&gt;:</a:t>
+            </a:r>
+          </a:p>
+          <a:p>
+            <a:pPr marL="285750" indent="-285750" algn="l">
+              <a:buFont typeface="Wingdings" panose="05000000000000000000" pitchFamily="2" charset="2"/>
+              <a:buChar char="ü"/>
+            </a:pPr>
+            <a:r>
+              <a:rPr lang="en-US" sz="1800" dirty="0"/>
+              <a:t>Unlike HashMap&lt;K, V&gt; and HashTable&lt;K, V&gt;, this maintains the order in which elements were inserted into the Map&lt;K, V&gt;. Meaning, this combines the features of HashTable&lt;K, V&gt; and LinkedList&lt;K, V&gt;</a:t>
+            </a:r>
+          </a:p>
+          <a:p>
+            <a:pPr marL="285750" indent="-285750" algn="l">
+              <a:buFont typeface="Wingdings" panose="05000000000000000000" pitchFamily="2" charset="2"/>
+              <a:buChar char="ü"/>
+            </a:pPr>
+            <a:r>
+              <a:rPr lang="en-US" sz="1800" dirty="0"/>
+              <a:t>LinkedHashMap&lt;K, V&gt; doesn’t allow duplicate keys and permit one null key along with multiple null values.</a:t>
+            </a:r>
+          </a:p>
+          <a:p>
+            <a:pPr algn="l"/>
+            <a:r>
+              <a:rPr lang="en-US" sz="1800" b="1" dirty="0"/>
+              <a:t>4.   TreeMap&lt;K, V&gt;:</a:t>
+            </a:r>
+          </a:p>
+          <a:p>
+            <a:pPr marL="285750" indent="-285750" algn="l">
+              <a:buFont typeface="Wingdings" panose="05000000000000000000" pitchFamily="2" charset="2"/>
+              <a:buChar char="ü"/>
+            </a:pPr>
+            <a:r>
+              <a:rPr lang="en-US" sz="1800" dirty="0"/>
+              <a:t>Unlike HashMap&lt;K, V&gt; and LinkedHashMap&lt;K, V&gt;, this maintains the elements in sorted order (natural order - ascending). But we can customize the ordering by providing Comparator during TreeMap&lt;K, V&gt; creation.</a:t>
+            </a:r>
+          </a:p>
+          <a:p>
+            <a:pPr marL="285750" indent="-285750" algn="l">
+              <a:buFont typeface="Wingdings" panose="05000000000000000000" pitchFamily="2" charset="2"/>
+              <a:buChar char="ü"/>
+            </a:pPr>
+            <a:r>
+              <a:rPr lang="en-US" sz="1800" dirty="0"/>
+              <a:t>TreeMap&lt;K, V&gt; doesn’t allow null keys, but it allows multiple null values.</a:t>
+            </a:r>
+          </a:p>
+          <a:p>
+            <a:pPr marL="285750" indent="-285750" algn="l">
+              <a:buFont typeface="Wingdings" panose="05000000000000000000" pitchFamily="2" charset="2"/>
+              <a:buChar char="ü"/>
+            </a:pPr>
+            <a:r>
+              <a:rPr lang="en-US" sz="1800" dirty="0"/>
+              <a:t>TreeMap&lt;K, V&gt; uses a </a:t>
+            </a:r>
+            <a:r>
+              <a:rPr lang="en-US" sz="1800" b="1" dirty="0"/>
+              <a:t>Red-Black Tree </a:t>
+            </a:r>
+            <a:r>
+              <a:rPr lang="en-US" sz="1800" dirty="0"/>
+              <a:t>data-structure internally for efficient sorting and retrieval operations. </a:t>
+            </a:r>
+          </a:p>
+        </p:txBody>
+      </p:sp>
+    </p:spTree>
+    <p:extLst>
+      <p:ext uri="{BB962C8B-B14F-4D97-AF65-F5344CB8AC3E}">
+        <p14:creationId xmlns:p14="http://schemas.microsoft.com/office/powerpoint/2010/main" val="318113816"/>
+      </p:ext>
+    </p:extLst>
+  </p:cSld>
+  <p:clrMapOvr>
+    <a:masterClrMapping/>
+  </p:clrMapOvr>
+</p:sld>
+</file>
+
+<file path=ppt/slides/slide15.xml><?xml version="1.0" encoding="utf-8"?>
+<p:sld xmlns:a="http://schemas.openxmlformats.org/drawingml/2006/main" xmlns:r="http://schemas.openxmlformats.org/officeDocument/2006/relationships" xmlns:p="http://schemas.openxmlformats.org/presentationml/2006/main">
+  <p:cSld>
+    <p:spTree>
+      <p:nvGrpSpPr>
+        <p:cNvPr id="1" name=""/>
+        <p:cNvGrpSpPr/>
+        <p:nvPr/>
+      </p:nvGrpSpPr>
+      <p:grpSpPr>
+        <a:xfrm>
+          <a:off x="0" y="0"/>
+          <a:ext cx="0" cy="0"/>
+          <a:chOff x="0" y="0"/>
+          <a:chExt cx="0" cy="0"/>
+        </a:xfrm>
+      </p:grpSpPr>
+      <p:sp>
+        <p:nvSpPr>
+          <p:cNvPr id="2" name="Content Placeholder 2">
+            <a:extLst>
+              <a:ext uri="{FF2B5EF4-FFF2-40B4-BE49-F238E27FC236}">
+                <a16:creationId xmlns:a16="http://schemas.microsoft.com/office/drawing/2014/main" id="{D0090292-E851-AAF0-878E-BE877759ADC9}"/>
+              </a:ext>
+            </a:extLst>
+          </p:cNvPr>
+          <p:cNvSpPr txBox="1">
+            <a:spLocks/>
+          </p:cNvSpPr>
+          <p:nvPr/>
+        </p:nvSpPr>
+        <p:spPr>
+          <a:xfrm>
+            <a:off x="69444" y="183874"/>
+            <a:ext cx="12053109" cy="6490251"/>
+          </a:xfrm>
+          <a:prstGeom prst="rect">
+            <a:avLst/>
+          </a:prstGeom>
+        </p:spPr>
+        <p:txBody>
+          <a:bodyPr vert="horz" lIns="91440" tIns="45720" rIns="91440" bIns="45720" rtlCol="0">
+            <a:normAutofit/>
+          </a:bodyPr>
+          <a:lstStyle>
+            <a:lvl1pPr marL="0" indent="0" algn="ctr" defTabSz="914400" rtl="0" eaLnBrk="1" latinLnBrk="0" hangingPunct="1">
+              <a:lnSpc>
+                <a:spcPct val="90000"/>
+              </a:lnSpc>
+              <a:spcBef>
+                <a:spcPts val="1000"/>
+              </a:spcBef>
+              <a:buFont typeface="Arial" panose="020B0604020202020204" pitchFamily="34" charset="0"/>
+              <a:buNone/>
+              <a:defRPr sz="2400" kern="1200">
+                <a:solidFill>
+                  <a:schemeClr val="tx1"/>
+                </a:solidFill>
+                <a:latin typeface="+mn-lt"/>
+                <a:ea typeface="+mn-ea"/>
+                <a:cs typeface="+mn-cs"/>
+              </a:defRPr>
+            </a:lvl1pPr>
+            <a:lvl2pPr marL="457200" indent="0" algn="ctr" defTabSz="914400" rtl="0" eaLnBrk="1" latinLnBrk="0" hangingPunct="1">
+              <a:lnSpc>
+                <a:spcPct val="90000"/>
+              </a:lnSpc>
+              <a:spcBef>
+                <a:spcPts val="500"/>
+              </a:spcBef>
+              <a:buFont typeface="Arial" panose="020B0604020202020204" pitchFamily="34" charset="0"/>
+              <a:buNone/>
+              <a:defRPr sz="2000" kern="1200">
+                <a:solidFill>
+                  <a:schemeClr val="tx1"/>
+                </a:solidFill>
+                <a:latin typeface="+mn-lt"/>
+                <a:ea typeface="+mn-ea"/>
+                <a:cs typeface="+mn-cs"/>
+              </a:defRPr>
+            </a:lvl2pPr>
+            <a:lvl3pPr marL="914400" indent="0" algn="ctr" defTabSz="914400" rtl="0" eaLnBrk="1" latinLnBrk="0" hangingPunct="1">
+              <a:lnSpc>
+                <a:spcPct val="90000"/>
+              </a:lnSpc>
+              <a:spcBef>
+                <a:spcPts val="500"/>
+              </a:spcBef>
+              <a:buFont typeface="Arial" panose="020B0604020202020204" pitchFamily="34" charset="0"/>
+              <a:buNone/>
+              <a:defRPr sz="1800" kern="1200">
+                <a:solidFill>
+                  <a:schemeClr val="tx1"/>
+                </a:solidFill>
+                <a:latin typeface="+mn-lt"/>
+                <a:ea typeface="+mn-ea"/>
+                <a:cs typeface="+mn-cs"/>
+              </a:defRPr>
+            </a:lvl3pPr>
+            <a:lvl4pPr marL="1371600" indent="0" algn="ctr" defTabSz="914400" rtl="0" eaLnBrk="1" latinLnBrk="0" hangingPunct="1">
+              <a:lnSpc>
+                <a:spcPct val="90000"/>
+              </a:lnSpc>
+              <a:spcBef>
+                <a:spcPts val="500"/>
+              </a:spcBef>
+              <a:buFont typeface="Arial" panose="020B0604020202020204" pitchFamily="34" charset="0"/>
+              <a:buNone/>
+              <a:defRPr sz="1600" kern="1200">
+                <a:solidFill>
+                  <a:schemeClr val="tx1"/>
+                </a:solidFill>
+                <a:latin typeface="+mn-lt"/>
+                <a:ea typeface="+mn-ea"/>
+                <a:cs typeface="+mn-cs"/>
+              </a:defRPr>
+            </a:lvl4pPr>
+            <a:lvl5pPr marL="1828800" indent="0" algn="ctr" defTabSz="914400" rtl="0" eaLnBrk="1" latinLnBrk="0" hangingPunct="1">
+              <a:lnSpc>
+                <a:spcPct val="90000"/>
+              </a:lnSpc>
+              <a:spcBef>
+                <a:spcPts val="500"/>
+              </a:spcBef>
+              <a:buFont typeface="Arial" panose="020B0604020202020204" pitchFamily="34" charset="0"/>
+              <a:buNone/>
+              <a:defRPr sz="1600" kern="1200">
+                <a:solidFill>
+                  <a:schemeClr val="tx1"/>
+                </a:solidFill>
+                <a:latin typeface="+mn-lt"/>
+                <a:ea typeface="+mn-ea"/>
+                <a:cs typeface="+mn-cs"/>
+              </a:defRPr>
+            </a:lvl5pPr>
+            <a:lvl6pPr marL="2286000" indent="0" algn="ctr" defTabSz="914400" rtl="0" eaLnBrk="1" latinLnBrk="0" hangingPunct="1">
+              <a:lnSpc>
+                <a:spcPct val="90000"/>
+              </a:lnSpc>
+              <a:spcBef>
+                <a:spcPts val="500"/>
+              </a:spcBef>
+              <a:buFont typeface="Arial" panose="020B0604020202020204" pitchFamily="34" charset="0"/>
+              <a:buNone/>
+              <a:defRPr sz="1600" kern="1200">
+                <a:solidFill>
+                  <a:schemeClr val="tx1"/>
+                </a:solidFill>
+                <a:latin typeface="+mn-lt"/>
+                <a:ea typeface="+mn-ea"/>
+                <a:cs typeface="+mn-cs"/>
+              </a:defRPr>
+            </a:lvl6pPr>
+            <a:lvl7pPr marL="2743200" indent="0" algn="ctr" defTabSz="914400" rtl="0" eaLnBrk="1" latinLnBrk="0" hangingPunct="1">
+              <a:lnSpc>
+                <a:spcPct val="90000"/>
+              </a:lnSpc>
+              <a:spcBef>
+                <a:spcPts val="500"/>
+              </a:spcBef>
+              <a:buFont typeface="Arial" panose="020B0604020202020204" pitchFamily="34" charset="0"/>
+              <a:buNone/>
+              <a:defRPr sz="1600" kern="1200">
+                <a:solidFill>
+                  <a:schemeClr val="tx1"/>
+                </a:solidFill>
+                <a:latin typeface="+mn-lt"/>
+                <a:ea typeface="+mn-ea"/>
+                <a:cs typeface="+mn-cs"/>
+              </a:defRPr>
+            </a:lvl7pPr>
+            <a:lvl8pPr marL="3200400" indent="0" algn="ctr" defTabSz="914400" rtl="0" eaLnBrk="1" latinLnBrk="0" hangingPunct="1">
+              <a:lnSpc>
+                <a:spcPct val="90000"/>
+              </a:lnSpc>
+              <a:spcBef>
+                <a:spcPts val="500"/>
+              </a:spcBef>
+              <a:buFont typeface="Arial" panose="020B0604020202020204" pitchFamily="34" charset="0"/>
+              <a:buNone/>
+              <a:defRPr sz="1600" kern="1200">
+                <a:solidFill>
+                  <a:schemeClr val="tx1"/>
+                </a:solidFill>
+                <a:latin typeface="+mn-lt"/>
+                <a:ea typeface="+mn-ea"/>
+                <a:cs typeface="+mn-cs"/>
+              </a:defRPr>
+            </a:lvl8pPr>
+            <a:lvl9pPr marL="3657600" indent="0" algn="ctr" defTabSz="914400" rtl="0" eaLnBrk="1" latinLnBrk="0" hangingPunct="1">
+              <a:lnSpc>
+                <a:spcPct val="90000"/>
+              </a:lnSpc>
+              <a:spcBef>
+                <a:spcPts val="500"/>
+              </a:spcBef>
+              <a:buFont typeface="Arial" panose="020B0604020202020204" pitchFamily="34" charset="0"/>
+              <a:buNone/>
+              <a:defRPr sz="1600" kern="1200">
+                <a:solidFill>
+                  <a:schemeClr val="tx1"/>
+                </a:solidFill>
+                <a:latin typeface="+mn-lt"/>
+                <a:ea typeface="+mn-ea"/>
+                <a:cs typeface="+mn-cs"/>
+              </a:defRPr>
+            </a:lvl9pPr>
+          </a:lstStyle>
+          <a:p>
+            <a:pPr marL="285750" indent="-285750" algn="l">
+              <a:buFont typeface="Wingdings" panose="05000000000000000000" pitchFamily="2" charset="2"/>
+              <a:buChar char="v"/>
+            </a:pPr>
+            <a:r>
+              <a:rPr lang="en-US" sz="1800" b="1" dirty="0"/>
+              <a:t>Internal working of HashMap&lt;K, V&gt;:</a:t>
+            </a:r>
+          </a:p>
+          <a:p>
+            <a:pPr marL="285750" indent="-285750" algn="l">
+              <a:buFont typeface="Wingdings" panose="05000000000000000000" pitchFamily="2" charset="2"/>
+              <a:buChar char="ü"/>
+            </a:pPr>
+            <a:r>
+              <a:rPr lang="en-US" sz="1800" dirty="0"/>
+              <a:t>To store keys, HashMap&lt;K, V&gt; uses </a:t>
+            </a:r>
+            <a:r>
+              <a:rPr lang="en-US" sz="1800" b="1" dirty="0"/>
+              <a:t>hashing</a:t>
+            </a:r>
+            <a:r>
+              <a:rPr lang="en-US" sz="1800" dirty="0"/>
+              <a:t> technique. Meaning, hash() function which takes any input and converts into a small integer value called hash value. For same input, we must get the same hash value.</a:t>
+            </a:r>
+            <a:endParaRPr lang="en-US" sz="1800" b="1" dirty="0"/>
+          </a:p>
+          <a:p>
+            <a:pPr marL="285750" indent="-285750" algn="l">
+              <a:buFont typeface="Wingdings" panose="05000000000000000000" pitchFamily="2" charset="2"/>
+              <a:buChar char="ü"/>
+            </a:pPr>
+            <a:r>
+              <a:rPr lang="en-US" sz="1800" dirty="0"/>
+              <a:t>Sometimes, even for different input we get the same hash value. This is called </a:t>
+            </a:r>
+            <a:r>
+              <a:rPr lang="en-US" sz="1800" b="1" dirty="0"/>
+              <a:t>Hash-Collision</a:t>
+            </a:r>
+            <a:r>
+              <a:rPr lang="en-US" sz="1800" dirty="0"/>
+              <a:t>. Having said that, lesser the collision, better the hash function.</a:t>
+            </a:r>
+          </a:p>
+          <a:p>
+            <a:pPr marL="285750" indent="-285750" algn="l">
+              <a:buFont typeface="Wingdings" panose="05000000000000000000" pitchFamily="2" charset="2"/>
+              <a:buChar char="ü"/>
+            </a:pPr>
+            <a:r>
+              <a:rPr lang="en-US" sz="1800" dirty="0"/>
+              <a:t>The resultant </a:t>
+            </a:r>
+            <a:r>
+              <a:rPr lang="en-US" sz="1800" b="1" dirty="0"/>
+              <a:t>hash-value </a:t>
+            </a:r>
+            <a:r>
+              <a:rPr lang="en-US" sz="1800" dirty="0"/>
+              <a:t>will be considered as the index where &lt;K, V&gt; pairs are stored in array of LinkedList&lt;E&gt;.</a:t>
+            </a:r>
+          </a:p>
+          <a:p>
+            <a:pPr marL="285750" indent="-285750" algn="l">
+              <a:buFont typeface="Wingdings" panose="05000000000000000000" pitchFamily="2" charset="2"/>
+              <a:buChar char="ü"/>
+            </a:pPr>
+            <a:r>
+              <a:rPr lang="en-US" sz="1800" dirty="0"/>
+              <a:t>Internally HashMap&lt;K, V&gt; uses array of LinkedList&lt;E&gt; to store the values.</a:t>
+            </a:r>
+            <a:r>
+              <a:rPr lang="en-US" sz="1800" b="1" dirty="0"/>
+              <a:t> </a:t>
+            </a:r>
+            <a:r>
+              <a:rPr lang="en-US" sz="1800" dirty="0"/>
+              <a:t>From Java8, if too many &lt;K, V&gt; pairs land in the same index (due to Hash-Collision), the LinkedList&lt;E&gt; in that index is automatically converted into a Balanced Binary Search Tree (</a:t>
+            </a:r>
+            <a:r>
+              <a:rPr lang="en-US" sz="1800" b="1" dirty="0"/>
+              <a:t>BST</a:t>
+            </a:r>
+            <a:r>
+              <a:rPr lang="en-US" sz="1800" dirty="0"/>
+              <a:t>) for faster lookups.</a:t>
+            </a:r>
+          </a:p>
+        </p:txBody>
+      </p:sp>
+    </p:spTree>
+    <p:extLst>
+      <p:ext uri="{BB962C8B-B14F-4D97-AF65-F5344CB8AC3E}">
+        <p14:creationId xmlns:p14="http://schemas.microsoft.com/office/powerpoint/2010/main" val="1938262797"/>
+      </p:ext>
+    </p:extLst>
+  </p:cSld>
+  <p:clrMapOvr>
+    <a:masterClrMapping/>
+  </p:clrMapOvr>
+</p:sld>
+</file>
+
+<file path=ppt/slides/slide16.xml><?xml version="1.0" encoding="utf-8"?>
+<p:sld xmlns:a="http://schemas.openxmlformats.org/drawingml/2006/main" xmlns:r="http://schemas.openxmlformats.org/officeDocument/2006/relationships" xmlns:p="http://schemas.openxmlformats.org/presentationml/2006/main">
+  <p:cSld>
+    <p:spTree>
+      <p:nvGrpSpPr>
+        <p:cNvPr id="1" name=""/>
+        <p:cNvGrpSpPr/>
+        <p:nvPr/>
+      </p:nvGrpSpPr>
+      <p:grpSpPr>
+        <a:xfrm>
+          <a:off x="0" y="0"/>
+          <a:ext cx="0" cy="0"/>
+          <a:chOff x="0" y="0"/>
+          <a:chExt cx="0" cy="0"/>
+        </a:xfrm>
+      </p:grpSpPr>
+      <p:sp>
+        <p:nvSpPr>
           <p:cNvPr id="2" name="Content Placeholder 2">
             <a:extLst>
               <a:ext uri="{FF2B5EF4-FFF2-40B4-BE49-F238E27FC236}">
@@ -4381,7 +7973,7 @@
 </p:sld>
 </file>
 
-<file path=ppt/slides/slide12.xml><?xml version="1.0" encoding="utf-8"?>
+<file path=ppt/slides/slide17.xml><?xml version="1.0" encoding="utf-8"?>
 <p:sld xmlns:a="http://schemas.openxmlformats.org/drawingml/2006/main" xmlns:r="http://schemas.openxmlformats.org/officeDocument/2006/relationships" xmlns:p="http://schemas.openxmlformats.org/presentationml/2006/main">
   <p:cSld>
     <p:spTree>
@@ -7289,7 +10881,7 @@
             </a:pPr>
             <a:r>
               <a:rPr lang="en-US" sz="1800" b="1" dirty="0"/>
-              <a:t>Implementations of the List:</a:t>
+              <a:t>Implementations of the List&lt;E&gt;:</a:t>
             </a:r>
           </a:p>
           <a:p>
@@ -7533,6 +11125,12 @@
           <a:prstGeom prst="roundRect">
             <a:avLst/>
           </a:prstGeom>
+          <a:solidFill>
+            <a:schemeClr val="accent2">
+              <a:lumMod val="60000"/>
+              <a:lumOff val="40000"/>
+            </a:schemeClr>
+          </a:solidFill>
         </p:spPr>
         <p:style>
           <a:lnRef idx="1">
@@ -7593,6 +11191,12 @@
           <a:prstGeom prst="roundRect">
             <a:avLst/>
           </a:prstGeom>
+          <a:solidFill>
+            <a:schemeClr val="accent2">
+              <a:lumMod val="60000"/>
+              <a:lumOff val="40000"/>
+            </a:schemeClr>
+          </a:solidFill>
         </p:spPr>
         <p:style>
           <a:lnRef idx="1">
@@ -8437,7 +12041,7 @@
         </p:spPr>
         <p:txBody>
           <a:bodyPr vert="horz" lIns="91440" tIns="45720" rIns="91440" bIns="45720" rtlCol="0">
-            <a:normAutofit/>
+            <a:normAutofit lnSpcReduction="10000"/>
           </a:bodyPr>
           <a:lstStyle>
             <a:lvl1pPr marL="0" indent="0" algn="ctr" defTabSz="914400" rtl="0" eaLnBrk="1" latinLnBrk="0" hangingPunct="1">
@@ -8751,7 +12355,17 @@
             </a:pPr>
             <a:r>
               <a:rPr lang="en-US" sz="1800" dirty="0"/>
-              <a:t>A stack&lt;E&gt; in Java is a linear data structure that follows the Last-In-First-Out (LIFO) principle. It is the subclass of Vector&lt;E&gt; and operates like a collection of items where you can only add or remove elements from the top.</a:t>
+              <a:t>A stack&lt;E&gt; in Java is a linear data structure that follows the Last-In-First-Out (LIFO) principle. </a:t>
+            </a:r>
+          </a:p>
+          <a:p>
+            <a:pPr marL="285750" indent="-285750" algn="l">
+              <a:buFont typeface="Wingdings" panose="05000000000000000000" pitchFamily="2" charset="2"/>
+              <a:buChar char="ü"/>
+            </a:pPr>
+            <a:r>
+              <a:rPr lang="en-US" sz="1800" dirty="0"/>
+              <a:t>As the Stack&lt;E&gt; is inheriting Vector&lt;E&gt;, the implemented methods are synchronized. Due to this it is not recommended to use when Stack implementation is required.</a:t>
             </a:r>
           </a:p>
           <a:p>
@@ -9609,6 +13223,114 @@
           </a:fontRef>
         </p:style>
       </p:cxnSp>
+      <p:sp>
+        <p:nvSpPr>
+          <p:cNvPr id="5" name="TextBox 4">
+            <a:extLst>
+              <a:ext uri="{FF2B5EF4-FFF2-40B4-BE49-F238E27FC236}">
+                <a16:creationId xmlns:a16="http://schemas.microsoft.com/office/drawing/2014/main" id="{B4AA4D29-02EC-A024-D8EA-3CE55F751191}"/>
+              </a:ext>
+            </a:extLst>
+          </p:cNvPr>
+          <p:cNvSpPr txBox="1"/>
+          <p:nvPr/>
+        </p:nvSpPr>
+        <p:spPr>
+          <a:xfrm>
+            <a:off x="1325686" y="5027615"/>
+            <a:ext cx="1298241" cy="369332"/>
+          </a:xfrm>
+          <a:prstGeom prst="rect">
+            <a:avLst/>
+          </a:prstGeom>
+          <a:noFill/>
+        </p:spPr>
+        <p:txBody>
+          <a:bodyPr wrap="none" rtlCol="0">
+            <a:spAutoFit/>
+          </a:bodyPr>
+          <a:lstStyle/>
+          <a:p>
+            <a:r>
+              <a:rPr lang="en-US" dirty="0"/>
+              <a:t>implements</a:t>
+            </a:r>
+            <a:endParaRPr lang="en-IN" dirty="0"/>
+          </a:p>
+        </p:txBody>
+      </p:sp>
+      <p:sp>
+        <p:nvSpPr>
+          <p:cNvPr id="6" name="TextBox 5">
+            <a:extLst>
+              <a:ext uri="{FF2B5EF4-FFF2-40B4-BE49-F238E27FC236}">
+                <a16:creationId xmlns:a16="http://schemas.microsoft.com/office/drawing/2014/main" id="{DCA56510-8696-F04B-E0D4-E4D40A41412F}"/>
+              </a:ext>
+            </a:extLst>
+          </p:cNvPr>
+          <p:cNvSpPr txBox="1"/>
+          <p:nvPr/>
+        </p:nvSpPr>
+        <p:spPr>
+          <a:xfrm>
+            <a:off x="4466450" y="5027615"/>
+            <a:ext cx="1298241" cy="369332"/>
+          </a:xfrm>
+          <a:prstGeom prst="rect">
+            <a:avLst/>
+          </a:prstGeom>
+          <a:noFill/>
+        </p:spPr>
+        <p:txBody>
+          <a:bodyPr wrap="none" rtlCol="0">
+            <a:spAutoFit/>
+          </a:bodyPr>
+          <a:lstStyle/>
+          <a:p>
+            <a:r>
+              <a:rPr lang="en-US" dirty="0"/>
+              <a:t>implements</a:t>
+            </a:r>
+            <a:endParaRPr lang="en-IN" dirty="0"/>
+          </a:p>
+        </p:txBody>
+      </p:sp>
+      <p:sp>
+        <p:nvSpPr>
+          <p:cNvPr id="7" name="TextBox 6">
+            <a:extLst>
+              <a:ext uri="{FF2B5EF4-FFF2-40B4-BE49-F238E27FC236}">
+                <a16:creationId xmlns:a16="http://schemas.microsoft.com/office/drawing/2014/main" id="{E56BD343-1C7A-3FC6-E96C-A3FD5C42268F}"/>
+              </a:ext>
+            </a:extLst>
+          </p:cNvPr>
+          <p:cNvSpPr txBox="1"/>
+          <p:nvPr/>
+        </p:nvSpPr>
+        <p:spPr>
+          <a:xfrm>
+            <a:off x="7300758" y="5027615"/>
+            <a:ext cx="1298241" cy="369332"/>
+          </a:xfrm>
+          <a:prstGeom prst="rect">
+            <a:avLst/>
+          </a:prstGeom>
+          <a:noFill/>
+        </p:spPr>
+        <p:txBody>
+          <a:bodyPr wrap="none" rtlCol="0">
+            <a:spAutoFit/>
+          </a:bodyPr>
+          <a:lstStyle/>
+          <a:p>
+            <a:r>
+              <a:rPr lang="en-US" dirty="0"/>
+              <a:t>implements</a:t>
+            </a:r>
+            <a:endParaRPr lang="en-IN" dirty="0"/>
+          </a:p>
+        </p:txBody>
+      </p:sp>
     </p:spTree>
     <p:extLst>
       <p:ext uri="{BB962C8B-B14F-4D97-AF65-F5344CB8AC3E}">
@@ -9841,6 +13563,9 @@
           </a:p>
           <a:p>
             <a:pPr marL="285750" indent="-285750" algn="l">
+              <a:spcBef>
+                <a:spcPts val="600"/>
+              </a:spcBef>
               <a:buFont typeface="Wingdings" panose="05000000000000000000" pitchFamily="2" charset="2"/>
               <a:buChar char="ü"/>
             </a:pPr>
@@ -9850,7 +13575,11 @@
             </a:r>
           </a:p>
           <a:p>
-            <a:pPr algn="l"/>
+            <a:pPr algn="l">
+              <a:spcBef>
+                <a:spcPts val="600"/>
+              </a:spcBef>
+            </a:pPr>
             <a:r>
               <a:rPr lang="en-US" sz="1800" dirty="0"/>
               <a:t>To Insert elements into the Queue,</a:t>
@@ -9858,6 +13587,9 @@
           </a:p>
           <a:p>
             <a:pPr marL="285750" indent="-285750" algn="l">
+              <a:spcBef>
+                <a:spcPts val="600"/>
+              </a:spcBef>
               <a:buFont typeface="Wingdings" panose="05000000000000000000" pitchFamily="2" charset="2"/>
               <a:buChar char="§"/>
             </a:pPr>
@@ -9868,6 +13600,9 @@
           </a:p>
           <a:p>
             <a:pPr marL="285750" indent="-285750" algn="l">
+              <a:spcBef>
+                <a:spcPts val="600"/>
+              </a:spcBef>
               <a:buFont typeface="Wingdings" panose="05000000000000000000" pitchFamily="2" charset="2"/>
               <a:buChar char="§"/>
             </a:pPr>
@@ -9877,7 +13612,11 @@
             </a:r>
           </a:p>
           <a:p>
-            <a:pPr algn="l"/>
+            <a:pPr algn="l">
+              <a:spcBef>
+                <a:spcPts val="600"/>
+              </a:spcBef>
+            </a:pPr>
             <a:r>
               <a:rPr lang="en-US" sz="1800" dirty="0"/>
               <a:t>To Remove elements from Queue,</a:t>
@@ -9885,6 +13624,9 @@
           </a:p>
           <a:p>
             <a:pPr marL="285750" indent="-285750" algn="l">
+              <a:spcBef>
+                <a:spcPts val="600"/>
+              </a:spcBef>
               <a:buFont typeface="Wingdings" panose="05000000000000000000" pitchFamily="2" charset="2"/>
               <a:buChar char="§"/>
             </a:pPr>
@@ -9895,6 +13637,9 @@
           </a:p>
           <a:p>
             <a:pPr marL="285750" indent="-285750" algn="l">
+              <a:spcBef>
+                <a:spcPts val="600"/>
+              </a:spcBef>
               <a:buFont typeface="Wingdings" panose="05000000000000000000" pitchFamily="2" charset="2"/>
               <a:buChar char="§"/>
             </a:pPr>
@@ -9904,7 +13649,11 @@
             </a:r>
           </a:p>
           <a:p>
-            <a:pPr algn="l"/>
+            <a:pPr algn="l">
+              <a:spcBef>
+                <a:spcPts val="600"/>
+              </a:spcBef>
+            </a:pPr>
             <a:r>
               <a:rPr lang="en-US" sz="1800" dirty="0"/>
               <a:t>To find out the elements at top of the Queue,</a:t>
@@ -9912,6 +13661,9 @@
           </a:p>
           <a:p>
             <a:pPr marL="285750" indent="-285750" algn="l">
+              <a:spcBef>
+                <a:spcPts val="600"/>
+              </a:spcBef>
               <a:buFont typeface="Wingdings" panose="05000000000000000000" pitchFamily="2" charset="2"/>
               <a:buChar char="§"/>
             </a:pPr>
@@ -9922,6 +13674,9 @@
           </a:p>
           <a:p>
             <a:pPr marL="285750" indent="-285750" algn="l">
+              <a:spcBef>
+                <a:spcPts val="600"/>
+              </a:spcBef>
               <a:buFont typeface="Wingdings" panose="05000000000000000000" pitchFamily="2" charset="2"/>
               <a:buChar char="§"/>
             </a:pPr>
@@ -9968,7 +13723,16 @@
               <a:rPr lang="en-US" sz="1800" dirty="0"/>
               <a:t>The element with the highest priority (according to the defined order) is always at the front and will be the first to be removed when dequeued. This makes PriorityQueue suitable for tasks like task scheduling, job processing, or managing elements with priorities.</a:t>
             </a:r>
-            <a:endParaRPr lang="en-US" sz="1800" b="1" dirty="0"/>
+          </a:p>
+          <a:p>
+            <a:pPr marL="285750" indent="-285750" algn="l">
+              <a:buFont typeface="Wingdings" panose="05000000000000000000" pitchFamily="2" charset="2"/>
+              <a:buChar char="ü"/>
+            </a:pPr>
+            <a:r>
+              <a:rPr lang="en-US" sz="1800" dirty="0"/>
+              <a:t>In case of several elements having same priority, one of them is chosen randomly. And by default, the elements are sorted in natural order(ascending order).</a:t>
+            </a:r>
           </a:p>
         </p:txBody>
       </p:sp>
